--- a/Presentation/PresentationImage.pptx
+++ b/Presentation/PresentationImage.pptx
@@ -5,7 +5,7 @@
     <p:sldMasterId id="2147483660" r:id="rId1"/>
   </p:sldMasterIdLst>
   <p:notesMasterIdLst>
-    <p:notesMasterId r:id="rId13"/>
+    <p:notesMasterId r:id="rId20"/>
   </p:notesMasterIdLst>
   <p:sldIdLst>
     <p:sldId id="257" r:id="rId2"/>
@@ -15,10 +15,17 @@
     <p:sldId id="260" r:id="rId6"/>
     <p:sldId id="262" r:id="rId7"/>
     <p:sldId id="256" r:id="rId8"/>
-    <p:sldId id="266" r:id="rId9"/>
-    <p:sldId id="263" r:id="rId10"/>
-    <p:sldId id="264" r:id="rId11"/>
-    <p:sldId id="265" r:id="rId12"/>
+    <p:sldId id="268" r:id="rId9"/>
+    <p:sldId id="266" r:id="rId10"/>
+    <p:sldId id="269" r:id="rId11"/>
+    <p:sldId id="270" r:id="rId12"/>
+    <p:sldId id="271" r:id="rId13"/>
+    <p:sldId id="274" r:id="rId14"/>
+    <p:sldId id="263" r:id="rId15"/>
+    <p:sldId id="272" r:id="rId16"/>
+    <p:sldId id="273" r:id="rId17"/>
+    <p:sldId id="264" r:id="rId18"/>
+    <p:sldId id="265" r:id="rId19"/>
   </p:sldIdLst>
   <p:sldSz cx="12192000" cy="6858000"/>
   <p:notesSz cx="6858000" cy="9144000"/>
@@ -1785,19 +1792,7 @@
           <a:pPr rtl="0"/>
           <a:r>
             <a:rPr lang="en-US" dirty="0" smtClean="0"/>
-            <a:t> Use</a:t>
-          </a:r>
-          <a:r>
-            <a:rPr lang="en-US" baseline="0" dirty="0" smtClean="0"/>
-            <a:t> 1/</a:t>
-          </a:r>
-          <a:r>
-            <a:rPr lang="en-US" baseline="0" dirty="0" err="1" smtClean="0"/>
-            <a:t>tree_distance</a:t>
-          </a:r>
-          <a:r>
-            <a:rPr lang="en-US" baseline="0" dirty="0" smtClean="0"/>
-            <a:t> to generate relative weights to query </a:t>
+            <a:t>Using a Variant on 1/Tree distance to weight sequences according to relative importance</a:t>
           </a:r>
           <a:endParaRPr lang="en-US" dirty="0"/>
         </a:p>
@@ -2114,24 +2109,24 @@
     </dgm:pt>
   </dgm:ptLst>
   <dgm:cxnLst>
+    <dgm:cxn modelId="{28505E30-27AB-1542-9B37-49AE0C6CF777}" type="presOf" srcId="{A9A8AC24-369C-F44C-904B-77A0335B6680}" destId="{5DE5AF06-CFFA-5444-BBE1-7ADED392C508}" srcOrd="0" destOrd="0" presId="urn:microsoft.com/office/officeart/2005/8/layout/process1"/>
+    <dgm:cxn modelId="{AD344561-FA58-704B-BDC5-B8B1E1933659}" type="presOf" srcId="{A9A8AC24-369C-F44C-904B-77A0335B6680}" destId="{2B589046-0A76-D74A-B067-525EA113905D}" srcOrd="1" destOrd="0" presId="urn:microsoft.com/office/officeart/2005/8/layout/process1"/>
+    <dgm:cxn modelId="{1EBC131F-6E20-2546-AAA8-99E85975A0BE}" type="presOf" srcId="{861B8FD1-DECA-1E48-8FC2-4510D62D5AF5}" destId="{B8A9E1DD-42F9-8A4E-BB27-9F6E19AEE73D}" srcOrd="0" destOrd="0" presId="urn:microsoft.com/office/officeart/2005/8/layout/process1"/>
+    <dgm:cxn modelId="{57E4B1E4-005E-A84D-9B90-1C1349D39920}" srcId="{C18830F0-300D-5A4E-9133-47129AC70423}" destId="{861B8FD1-DECA-1E48-8FC2-4510D62D5AF5}" srcOrd="1" destOrd="0" parTransId="{76B1938D-08EF-394E-84FF-B6D069B9FE68}" sibTransId="{794EC41E-1CFC-AA4A-95F9-F0577CD5B8DF}"/>
+    <dgm:cxn modelId="{AABD9BCE-8E5B-A740-848C-5EA5BB76C113}" type="presOf" srcId="{8AE3F35F-6329-CB4C-B927-14C263065096}" destId="{3BB0D14B-FB17-154E-B5AA-919242122069}" srcOrd="0" destOrd="0" presId="urn:microsoft.com/office/officeart/2005/8/layout/process1"/>
+    <dgm:cxn modelId="{AE2E919F-7EDE-A247-85B8-1DC50A020333}" type="presOf" srcId="{155BAB72-91A2-B24F-ABA5-BBAFDE810DCA}" destId="{F61B26C2-BF9F-4C47-8753-E78FA6B4E8D2}" srcOrd="1" destOrd="0" presId="urn:microsoft.com/office/officeart/2005/8/layout/process1"/>
+    <dgm:cxn modelId="{4C21244E-D03F-3346-8C2D-DDA1F9EF4264}" type="presOf" srcId="{21AFD040-B0C9-D74E-AA77-F578510CD899}" destId="{02169A15-8F44-0F4E-8E62-3B6BA9F6FF93}" srcOrd="0" destOrd="0" presId="urn:microsoft.com/office/officeart/2005/8/layout/process1"/>
+    <dgm:cxn modelId="{54B59ED7-45B7-6F4D-9947-02C97A1390CE}" type="presOf" srcId="{155BAB72-91A2-B24F-ABA5-BBAFDE810DCA}" destId="{D4DDD540-ED48-5942-AA78-D01D2ECBD96B}" srcOrd="0" destOrd="0" presId="urn:microsoft.com/office/officeart/2005/8/layout/process1"/>
+    <dgm:cxn modelId="{860A2943-8CE1-B440-8348-4603F8D1AA73}" type="presOf" srcId="{21AFD040-B0C9-D74E-AA77-F578510CD899}" destId="{6510D54C-8403-AC47-B183-03EA583C71F8}" srcOrd="1" destOrd="0" presId="urn:microsoft.com/office/officeart/2005/8/layout/process1"/>
+    <dgm:cxn modelId="{B66A0DA7-0DD1-D944-9226-3206BCC6A149}" srcId="{C18830F0-300D-5A4E-9133-47129AC70423}" destId="{CBD7F8D0-01A1-9642-914C-3A9E699DD309}" srcOrd="2" destOrd="0" parTransId="{A0668E79-8F50-BD4C-819C-4B9A4951AFFC}" sibTransId="{21AFD040-B0C9-D74E-AA77-F578510CD899}"/>
+    <dgm:cxn modelId="{912BE3CC-FB5B-114A-B293-0F1E5FF52EF3}" type="presOf" srcId="{C18830F0-300D-5A4E-9133-47129AC70423}" destId="{9A1A1469-D0F9-B54A-BBF4-0FE40FCC8B53}" srcOrd="0" destOrd="0" presId="urn:microsoft.com/office/officeart/2005/8/layout/process1"/>
+    <dgm:cxn modelId="{30426F94-5FC9-8E45-927D-E16F34512E9D}" type="presOf" srcId="{794EC41E-1CFC-AA4A-95F9-F0577CD5B8DF}" destId="{2A7DFE14-643A-6F42-9471-C7E2C5C3D0F2}" srcOrd="1" destOrd="0" presId="urn:microsoft.com/office/officeart/2005/8/layout/process1"/>
+    <dgm:cxn modelId="{7AE84B66-0717-B84E-9681-21045D01112C}" type="presOf" srcId="{CBD7F8D0-01A1-9642-914C-3A9E699DD309}" destId="{B932EA59-50DD-424A-8986-12F79C4627C0}" srcOrd="0" destOrd="0" presId="urn:microsoft.com/office/officeart/2005/8/layout/process1"/>
+    <dgm:cxn modelId="{6549EB44-FC79-AA41-88FE-432C52C2CFFB}" type="presOf" srcId="{483FB463-73C5-0748-81E5-F17B8F8CCAF4}" destId="{D4923FF6-6C56-6D4D-8872-C2ECD422D5AD}" srcOrd="0" destOrd="0" presId="urn:microsoft.com/office/officeart/2005/8/layout/process1"/>
     <dgm:cxn modelId="{AA5F4730-2A27-BD4E-9A6F-9A356B11A8D7}" srcId="{C18830F0-300D-5A4E-9133-47129AC70423}" destId="{2E6B767F-3AAD-6A48-9738-0F8563A80CF1}" srcOrd="4" destOrd="0" parTransId="{272E3249-1E6F-F14A-A93A-B99C62A3424F}" sibTransId="{0C2BE505-C5FD-E646-BB0B-BAAACC080997}"/>
-    <dgm:cxn modelId="{4C21244E-D03F-3346-8C2D-DDA1F9EF4264}" type="presOf" srcId="{21AFD040-B0C9-D74E-AA77-F578510CD899}" destId="{02169A15-8F44-0F4E-8E62-3B6BA9F6FF93}" srcOrd="0" destOrd="0" presId="urn:microsoft.com/office/officeart/2005/8/layout/process1"/>
-    <dgm:cxn modelId="{57E4B1E4-005E-A84D-9B90-1C1349D39920}" srcId="{C18830F0-300D-5A4E-9133-47129AC70423}" destId="{861B8FD1-DECA-1E48-8FC2-4510D62D5AF5}" srcOrd="1" destOrd="0" parTransId="{76B1938D-08EF-394E-84FF-B6D069B9FE68}" sibTransId="{794EC41E-1CFC-AA4A-95F9-F0577CD5B8DF}"/>
     <dgm:cxn modelId="{7B0777A9-4DEA-B54B-8FBA-4AD17DE174D7}" srcId="{C18830F0-300D-5A4E-9133-47129AC70423}" destId="{483FB463-73C5-0748-81E5-F17B8F8CCAF4}" srcOrd="0" destOrd="0" parTransId="{CF7010B8-3A41-6648-9ACA-D0E074D8D5E9}" sibTransId="{155BAB72-91A2-B24F-ABA5-BBAFDE810DCA}"/>
-    <dgm:cxn modelId="{912BE3CC-FB5B-114A-B293-0F1E5FF52EF3}" type="presOf" srcId="{C18830F0-300D-5A4E-9133-47129AC70423}" destId="{9A1A1469-D0F9-B54A-BBF4-0FE40FCC8B53}" srcOrd="0" destOrd="0" presId="urn:microsoft.com/office/officeart/2005/8/layout/process1"/>
-    <dgm:cxn modelId="{B66A0DA7-0DD1-D944-9226-3206BCC6A149}" srcId="{C18830F0-300D-5A4E-9133-47129AC70423}" destId="{CBD7F8D0-01A1-9642-914C-3A9E699DD309}" srcOrd="2" destOrd="0" parTransId="{A0668E79-8F50-BD4C-819C-4B9A4951AFFC}" sibTransId="{21AFD040-B0C9-D74E-AA77-F578510CD899}"/>
-    <dgm:cxn modelId="{30426F94-5FC9-8E45-927D-E16F34512E9D}" type="presOf" srcId="{794EC41E-1CFC-AA4A-95F9-F0577CD5B8DF}" destId="{2A7DFE14-643A-6F42-9471-C7E2C5C3D0F2}" srcOrd="1" destOrd="0" presId="urn:microsoft.com/office/officeart/2005/8/layout/process1"/>
-    <dgm:cxn modelId="{AABD9BCE-8E5B-A740-848C-5EA5BB76C113}" type="presOf" srcId="{8AE3F35F-6329-CB4C-B927-14C263065096}" destId="{3BB0D14B-FB17-154E-B5AA-919242122069}" srcOrd="0" destOrd="0" presId="urn:microsoft.com/office/officeart/2005/8/layout/process1"/>
-    <dgm:cxn modelId="{860A2943-8CE1-B440-8348-4603F8D1AA73}" type="presOf" srcId="{21AFD040-B0C9-D74E-AA77-F578510CD899}" destId="{6510D54C-8403-AC47-B183-03EA583C71F8}" srcOrd="1" destOrd="0" presId="urn:microsoft.com/office/officeart/2005/8/layout/process1"/>
+    <dgm:cxn modelId="{AA818EDB-AF29-234B-8E2B-1759647529A6}" type="presOf" srcId="{794EC41E-1CFC-AA4A-95F9-F0577CD5B8DF}" destId="{0FB689FA-F4EF-C54A-8D17-15AC9E2DA91E}" srcOrd="0" destOrd="0" presId="urn:microsoft.com/office/officeart/2005/8/layout/process1"/>
     <dgm:cxn modelId="{635D99EE-8E83-E24D-BBCC-0E4FACD7ADC6}" srcId="{C18830F0-300D-5A4E-9133-47129AC70423}" destId="{8AE3F35F-6329-CB4C-B927-14C263065096}" srcOrd="3" destOrd="0" parTransId="{4D213F1F-2B23-E942-A912-7FC8BC56F4A4}" sibTransId="{A9A8AC24-369C-F44C-904B-77A0335B6680}"/>
-    <dgm:cxn modelId="{6549EB44-FC79-AA41-88FE-432C52C2CFFB}" type="presOf" srcId="{483FB463-73C5-0748-81E5-F17B8F8CCAF4}" destId="{D4923FF6-6C56-6D4D-8872-C2ECD422D5AD}" srcOrd="0" destOrd="0" presId="urn:microsoft.com/office/officeart/2005/8/layout/process1"/>
-    <dgm:cxn modelId="{AD344561-FA58-704B-BDC5-B8B1E1933659}" type="presOf" srcId="{A9A8AC24-369C-F44C-904B-77A0335B6680}" destId="{2B589046-0A76-D74A-B067-525EA113905D}" srcOrd="1" destOrd="0" presId="urn:microsoft.com/office/officeart/2005/8/layout/process1"/>
-    <dgm:cxn modelId="{28505E30-27AB-1542-9B37-49AE0C6CF777}" type="presOf" srcId="{A9A8AC24-369C-F44C-904B-77A0335B6680}" destId="{5DE5AF06-CFFA-5444-BBE1-7ADED392C508}" srcOrd="0" destOrd="0" presId="urn:microsoft.com/office/officeart/2005/8/layout/process1"/>
-    <dgm:cxn modelId="{1EBC131F-6E20-2546-AAA8-99E85975A0BE}" type="presOf" srcId="{861B8FD1-DECA-1E48-8FC2-4510D62D5AF5}" destId="{B8A9E1DD-42F9-8A4E-BB27-9F6E19AEE73D}" srcOrd="0" destOrd="0" presId="urn:microsoft.com/office/officeart/2005/8/layout/process1"/>
-    <dgm:cxn modelId="{7AE84B66-0717-B84E-9681-21045D01112C}" type="presOf" srcId="{CBD7F8D0-01A1-9642-914C-3A9E699DD309}" destId="{B932EA59-50DD-424A-8986-12F79C4627C0}" srcOrd="0" destOrd="0" presId="urn:microsoft.com/office/officeart/2005/8/layout/process1"/>
-    <dgm:cxn modelId="{AE2E919F-7EDE-A247-85B8-1DC50A020333}" type="presOf" srcId="{155BAB72-91A2-B24F-ABA5-BBAFDE810DCA}" destId="{F61B26C2-BF9F-4C47-8753-E78FA6B4E8D2}" srcOrd="1" destOrd="0" presId="urn:microsoft.com/office/officeart/2005/8/layout/process1"/>
-    <dgm:cxn modelId="{AA818EDB-AF29-234B-8E2B-1759647529A6}" type="presOf" srcId="{794EC41E-1CFC-AA4A-95F9-F0577CD5B8DF}" destId="{0FB689FA-F4EF-C54A-8D17-15AC9E2DA91E}" srcOrd="0" destOrd="0" presId="urn:microsoft.com/office/officeart/2005/8/layout/process1"/>
-    <dgm:cxn modelId="{54B59ED7-45B7-6F4D-9947-02C97A1390CE}" type="presOf" srcId="{155BAB72-91A2-B24F-ABA5-BBAFDE810DCA}" destId="{D4DDD540-ED48-5942-AA78-D01D2ECBD96B}" srcOrd="0" destOrd="0" presId="urn:microsoft.com/office/officeart/2005/8/layout/process1"/>
     <dgm:cxn modelId="{54EF1E74-F5DE-BE4B-94E7-B20E74F71C58}" type="presOf" srcId="{2E6B767F-3AAD-6A48-9738-0F8563A80CF1}" destId="{C3B2989C-25A0-8D46-BB48-A3FD6DF58F00}" srcOrd="0" destOrd="0" presId="urn:microsoft.com/office/officeart/2005/8/layout/process1"/>
     <dgm:cxn modelId="{DCBABCB0-E919-F540-8816-9BC25F5264A2}" type="presParOf" srcId="{9A1A1469-D0F9-B54A-BBF4-0FE40FCC8B53}" destId="{D4923FF6-6C56-6D4D-8872-C2ECD422D5AD}" srcOrd="0" destOrd="0" presId="urn:microsoft.com/office/officeart/2005/8/layout/process1"/>
     <dgm:cxn modelId="{9122466D-1BBC-5042-BB6A-522E69B89DD8}" type="presParOf" srcId="{9A1A1469-D0F9-B54A-BBF4-0FE40FCC8B53}" destId="{D4DDD540-ED48-5942-AA78-D01D2ECBD96B}" srcOrd="1" destOrd="0" presId="urn:microsoft.com/office/officeart/2005/8/layout/process1"/>
@@ -2374,7 +2369,11 @@
           </a:r>
           <a:r>
             <a:rPr lang="en-US" baseline="0" dirty="0" smtClean="0"/>
-            <a:t> KCNA1_HUMAN Annotations</a:t>
+            <a:t> </a:t>
+          </a:r>
+          <a:r>
+            <a:rPr lang="en-US" baseline="0" dirty="0" smtClean="0"/>
+            <a:t>Annotations</a:t>
           </a:r>
           <a:endParaRPr lang="en-US" dirty="0"/>
         </a:p>
@@ -3531,19 +3530,7 @@
           </a:pPr>
           <a:r>
             <a:rPr lang="en-US" sz="1500" kern="1200" dirty="0" smtClean="0"/>
-            <a:t> Use</a:t>
-          </a:r>
-          <a:r>
-            <a:rPr lang="en-US" sz="1500" kern="1200" baseline="0" dirty="0" smtClean="0"/>
-            <a:t> 1/</a:t>
-          </a:r>
-          <a:r>
-            <a:rPr lang="en-US" sz="1500" kern="1200" baseline="0" dirty="0" err="1" smtClean="0"/>
-            <a:t>tree_distance</a:t>
-          </a:r>
-          <a:r>
-            <a:rPr lang="en-US" sz="1500" kern="1200" baseline="0" dirty="0" smtClean="0"/>
-            <a:t> to generate relative weights to query </a:t>
+            <a:t>Using a Variant on 1/Tree distance to weight sequences according to relative importance</a:t>
           </a:r>
           <a:endParaRPr lang="en-US" sz="1500" kern="1200" dirty="0"/>
         </a:p>
@@ -3778,8 +3765,8 @@
       </dsp:nvSpPr>
       <dsp:spPr>
         <a:xfrm>
-          <a:off x="30159" y="1553078"/>
-          <a:ext cx="1501540" cy="1956695"/>
+          <a:off x="30159" y="1422372"/>
+          <a:ext cx="1501540" cy="2228555"/>
         </a:xfrm>
         <a:prstGeom prst="roundRect">
           <a:avLst>
@@ -3844,12 +3831,12 @@
         </a:fontRef>
       </dsp:style>
       <dsp:txBody>
-        <a:bodyPr spcFirstLastPara="0" vert="horz" wrap="square" lIns="49530" tIns="49530" rIns="49530" bIns="49530" numCol="1" spcCol="1270" anchor="ctr" anchorCtr="0">
+        <a:bodyPr spcFirstLastPara="0" vert="horz" wrap="square" lIns="57150" tIns="57150" rIns="57150" bIns="57150" numCol="1" spcCol="1270" anchor="ctr" anchorCtr="0">
           <a:noAutofit/>
         </a:bodyPr>
         <a:lstStyle/>
         <a:p>
-          <a:pPr lvl="0" algn="ctr" defTabSz="577850" rtl="0">
+          <a:pPr lvl="0" algn="ctr" defTabSz="666750" rtl="0">
             <a:lnSpc>
               <a:spcPct val="90000"/>
             </a:lnSpc>
@@ -3861,19 +3848,19 @@
             </a:spcAft>
           </a:pPr>
           <a:r>
-            <a:rPr lang="en-US" sz="1300" kern="1200" dirty="0" smtClean="0"/>
+            <a:rPr lang="en-US" sz="1500" kern="1200" dirty="0" smtClean="0"/>
             <a:t>BLASTP Against</a:t>
           </a:r>
           <a:br>
-            <a:rPr lang="en-US" sz="1300" kern="1200" dirty="0" smtClean="0"/>
+            <a:rPr lang="en-US" sz="1500" kern="1200" dirty="0" smtClean="0"/>
           </a:br>
           <a:r>
-            <a:rPr lang="en-US" sz="1300" kern="1200" dirty="0" smtClean="0"/>
+            <a:rPr lang="en-US" sz="1500" kern="1200" dirty="0" smtClean="0"/>
             <a:t>NR </a:t>
           </a:r>
         </a:p>
         <a:p>
-          <a:pPr lvl="0" algn="ctr" defTabSz="577850" rtl="0">
+          <a:pPr lvl="0" algn="ctr" defTabSz="666750" rtl="0">
             <a:lnSpc>
               <a:spcPct val="90000"/>
             </a:lnSpc>
@@ -3885,52 +3872,52 @@
             </a:spcAft>
           </a:pPr>
           <a:r>
-            <a:rPr lang="en-US" sz="1300" kern="1200" dirty="0" smtClean="0"/>
+            <a:rPr lang="en-US" sz="1500" kern="1200" dirty="0" smtClean="0"/>
             <a:t>(Specifying</a:t>
           </a:r>
           <a:r>
-            <a:rPr lang="en-US" sz="1300" kern="1200" baseline="0" dirty="0" smtClean="0"/>
+            <a:rPr lang="en-US" sz="1500" kern="1200" baseline="0" dirty="0" smtClean="0"/>
             <a:t> global/</a:t>
           </a:r>
           <a:r>
-            <a:rPr lang="en-US" sz="1300" kern="1200" baseline="0" dirty="0" err="1" smtClean="0"/>
+            <a:rPr lang="en-US" sz="1500" kern="1200" baseline="0" dirty="0" err="1" smtClean="0"/>
             <a:t>glocal</a:t>
           </a:r>
           <a:r>
-            <a:rPr lang="en-US" sz="1300" kern="1200" baseline="0" dirty="0" smtClean="0"/>
+            <a:rPr lang="en-US" sz="1500" kern="1200" baseline="0" dirty="0" smtClean="0"/>
             <a:t> alignment)</a:t>
           </a:r>
           <a:r>
-            <a:rPr lang="en-US" sz="1300" kern="1200" dirty="0" smtClean="0"/>
+            <a:rPr lang="en-US" sz="1500" kern="1200" dirty="0" smtClean="0"/>
             <a:t/>
           </a:r>
           <a:br>
-            <a:rPr lang="en-US" sz="1300" kern="1200" dirty="0" smtClean="0"/>
+            <a:rPr lang="en-US" sz="1500" kern="1200" dirty="0" smtClean="0"/>
           </a:br>
           <a:r>
-            <a:rPr lang="en-US" sz="1300" kern="1200" dirty="0" smtClean="0"/>
+            <a:rPr lang="en-US" sz="1500" kern="1200" dirty="0" smtClean="0"/>
             <a:t>.</a:t>
           </a:r>
           <a:br>
-            <a:rPr lang="en-US" sz="1300" kern="1200" dirty="0" smtClean="0"/>
+            <a:rPr lang="en-US" sz="1500" kern="1200" dirty="0" smtClean="0"/>
           </a:br>
           <a:r>
-            <a:rPr lang="en-US" sz="1300" kern="1200" dirty="0" smtClean="0"/>
+            <a:rPr lang="en-US" sz="1500" kern="1200" dirty="0" smtClean="0"/>
             <a:t>.</a:t>
           </a:r>
           <a:br>
-            <a:rPr lang="en-US" sz="1300" kern="1200" dirty="0" smtClean="0"/>
+            <a:rPr lang="en-US" sz="1500" kern="1200" dirty="0" smtClean="0"/>
           </a:br>
           <a:r>
-            <a:rPr lang="en-US" sz="1300" kern="1200" dirty="0" smtClean="0"/>
+            <a:rPr lang="en-US" sz="1500" kern="1200" dirty="0" smtClean="0"/>
             <a:t>.</a:t>
           </a:r>
-          <a:endParaRPr lang="en-US" sz="1300" kern="1200" dirty="0"/>
+          <a:endParaRPr lang="en-US" sz="1500" kern="1200" dirty="0"/>
         </a:p>
       </dsp:txBody>
       <dsp:txXfrm>
-        <a:off x="74138" y="1597057"/>
-        <a:ext cx="1413582" cy="1868737"/>
+        <a:off x="74138" y="1466351"/>
+        <a:ext cx="1413582" cy="2140597"/>
       </dsp:txXfrm>
     </dsp:sp>
     <dsp:sp modelId="{D4DDD540-ED48-5942-AA78-D01D2ECBD96B}">
@@ -3939,9 +3926,9 @@
         <dsp:cNvSpPr/>
       </dsp:nvSpPr>
       <dsp:spPr>
-        <a:xfrm rot="21537756">
-          <a:off x="1675500" y="2326274"/>
-          <a:ext cx="304959" cy="372382"/>
+        <a:xfrm rot="21529110">
+          <a:off x="1675492" y="2328865"/>
+          <a:ext cx="304973" cy="372382"/>
         </a:xfrm>
         <a:prstGeom prst="rightArrow">
           <a:avLst>
@@ -4015,7 +4002,7 @@
         </a:bodyPr>
         <a:lstStyle/>
         <a:p>
-          <a:pPr lvl="0" algn="ctr" defTabSz="488950">
+          <a:pPr lvl="0" algn="ctr" defTabSz="533400">
             <a:lnSpc>
               <a:spcPct val="90000"/>
             </a:lnSpc>
@@ -4026,12 +4013,12 @@
               <a:spcPct val="35000"/>
             </a:spcAft>
           </a:pPr>
-          <a:endParaRPr lang="en-US" sz="1100" kern="1200"/>
+          <a:endParaRPr lang="en-US" sz="1200" kern="1200"/>
         </a:p>
       </dsp:txBody>
       <dsp:txXfrm>
-        <a:off x="1675507" y="2401578"/>
-        <a:ext cx="213471" cy="223430"/>
+        <a:off x="1675502" y="2404284"/>
+        <a:ext cx="213481" cy="223430"/>
       </dsp:txXfrm>
     </dsp:sp>
     <dsp:sp modelId="{B8A9E1DD-42F9-8A4E-BB27-9F6E19AEE73D}">
@@ -4041,8 +4028,8 @@
       </dsp:nvSpPr>
       <dsp:spPr>
         <a:xfrm>
-          <a:off x="2107000" y="1515470"/>
-          <a:ext cx="1501540" cy="1956695"/>
+          <a:off x="2107000" y="1379540"/>
+          <a:ext cx="1501540" cy="2228555"/>
         </a:xfrm>
         <a:prstGeom prst="roundRect">
           <a:avLst>
@@ -4107,12 +4094,12 @@
         </a:fontRef>
       </dsp:style>
       <dsp:txBody>
-        <a:bodyPr spcFirstLastPara="0" vert="horz" wrap="square" lIns="49530" tIns="49530" rIns="49530" bIns="49530" numCol="1" spcCol="1270" anchor="ctr" anchorCtr="0">
+        <a:bodyPr spcFirstLastPara="0" vert="horz" wrap="square" lIns="57150" tIns="57150" rIns="57150" bIns="57150" numCol="1" spcCol="1270" anchor="ctr" anchorCtr="0">
           <a:noAutofit/>
         </a:bodyPr>
         <a:lstStyle/>
         <a:p>
-          <a:pPr lvl="0" algn="ctr" defTabSz="577850" rtl="0">
+          <a:pPr lvl="0" algn="ctr" defTabSz="666750" rtl="0">
             <a:lnSpc>
               <a:spcPct val="90000"/>
             </a:lnSpc>
@@ -4124,20 +4111,20 @@
             </a:spcAft>
           </a:pPr>
           <a:r>
-            <a:rPr lang="en-US" sz="1300" kern="1200" dirty="0" smtClean="0"/>
+            <a:rPr lang="en-US" sz="1500" kern="1200" dirty="0" smtClean="0"/>
             <a:t>Submit</a:t>
           </a:r>
           <a:r>
-            <a:rPr lang="en-US" sz="1300" kern="1200" baseline="0" dirty="0" smtClean="0"/>
+            <a:rPr lang="en-US" sz="1500" kern="1200" baseline="0" dirty="0" smtClean="0"/>
             <a:t> sequence identifiers to TMHMM and scrape HTML to generate annotations</a:t>
           </a:r>
           <a:r>
-            <a:rPr lang="en-US" sz="1300" kern="1200" dirty="0" smtClean="0"/>
+            <a:rPr lang="en-US" sz="1500" kern="1200" dirty="0" smtClean="0"/>
             <a:t>.</a:t>
           </a:r>
         </a:p>
         <a:p>
-          <a:pPr lvl="0" algn="ctr" defTabSz="577850" rtl="0">
+          <a:pPr lvl="0" algn="ctr" defTabSz="666750" rtl="0">
             <a:lnSpc>
               <a:spcPct val="90000"/>
             </a:lnSpc>
@@ -4149,25 +4136,25 @@
             </a:spcAft>
           </a:pPr>
           <a:r>
-            <a:rPr lang="en-US" sz="1300" kern="1200" dirty="0" smtClean="0"/>
+            <a:rPr lang="en-US" sz="1500" kern="1200" dirty="0" smtClean="0"/>
             <a:t>{</a:t>
           </a:r>
           <a:r>
-            <a:rPr lang="en-US" sz="1300" kern="1200" dirty="0" err="1" smtClean="0"/>
+            <a:rPr lang="en-US" sz="1500" kern="1200" dirty="0" err="1" smtClean="0"/>
             <a:t>i,o</a:t>
           </a:r>
           <a:r>
-            <a:rPr lang="en-US" sz="1300" kern="1200" dirty="0" smtClean="0"/>
+            <a:rPr lang="en-US" sz="1500" kern="1200" dirty="0" smtClean="0"/>
             <a:t>}</a:t>
           </a:r>
           <a:r>
-            <a:rPr lang="en-US" sz="1300" kern="1200" baseline="30000" dirty="0" smtClean="0"/>
+            <a:rPr lang="en-US" sz="1500" kern="1200" baseline="30000" dirty="0" smtClean="0"/>
             <a:t>n</a:t>
           </a:r>
-          <a:endParaRPr lang="en-US" sz="1300" kern="1200" dirty="0" smtClean="0"/>
+          <a:endParaRPr lang="en-US" sz="1500" kern="1200" dirty="0" smtClean="0"/>
         </a:p>
         <a:p>
-          <a:pPr lvl="0" algn="ctr" defTabSz="577850" rtl="0">
+          <a:pPr lvl="0" algn="ctr" defTabSz="666750" rtl="0">
             <a:lnSpc>
               <a:spcPct val="90000"/>
             </a:lnSpc>
@@ -4179,12 +4166,12 @@
             </a:spcAft>
           </a:pPr>
           <a:r>
-            <a:rPr lang="en-US" sz="1300" kern="1200" dirty="0" smtClean="0"/>
+            <a:rPr lang="en-US" sz="1500" kern="1200" dirty="0" smtClean="0"/>
             <a:t>.</a:t>
           </a:r>
         </a:p>
         <a:p>
-          <a:pPr lvl="0" algn="ctr" defTabSz="577850" rtl="0">
+          <a:pPr lvl="0" algn="ctr" defTabSz="666750" rtl="0">
             <a:lnSpc>
               <a:spcPct val="90000"/>
             </a:lnSpc>
@@ -4195,12 +4182,12 @@
               <a:spcPct val="35000"/>
             </a:spcAft>
           </a:pPr>
-          <a:endParaRPr lang="en-US" sz="1300" kern="1200" dirty="0" smtClean="0"/>
+          <a:endParaRPr lang="en-US" sz="1500" kern="1200" dirty="0" smtClean="0"/>
         </a:p>
       </dsp:txBody>
       <dsp:txXfrm>
-        <a:off x="2150979" y="1559449"/>
-        <a:ext cx="1413582" cy="1868737"/>
+        <a:off x="2150979" y="1423519"/>
+        <a:ext cx="1413582" cy="2140597"/>
       </dsp:txXfrm>
     </dsp:sp>
     <dsp:sp modelId="{0FB689FA-F4EF-C54A-8D17-15AC9E2DA91E}">
@@ -4285,7 +4272,7 @@
         </a:bodyPr>
         <a:lstStyle/>
         <a:p>
-          <a:pPr lvl="0" algn="ctr" defTabSz="488950">
+          <a:pPr lvl="0" algn="ctr" defTabSz="533400">
             <a:lnSpc>
               <a:spcPct val="90000"/>
             </a:lnSpc>
@@ -4296,7 +4283,7 @@
               <a:spcPct val="35000"/>
             </a:spcAft>
           </a:pPr>
-          <a:endParaRPr lang="en-US" sz="1100" kern="1200"/>
+          <a:endParaRPr lang="en-US" sz="1200" kern="1200"/>
         </a:p>
       </dsp:txBody>
       <dsp:txXfrm>
@@ -4311,8 +4298,8 @@
       </dsp:nvSpPr>
       <dsp:spPr>
         <a:xfrm>
-          <a:off x="4209157" y="1515470"/>
-          <a:ext cx="1501540" cy="1956695"/>
+          <a:off x="4209157" y="1379540"/>
+          <a:ext cx="1501540" cy="2228555"/>
         </a:xfrm>
         <a:prstGeom prst="roundRect">
           <a:avLst>
@@ -4377,12 +4364,12 @@
         </a:fontRef>
       </dsp:style>
       <dsp:txBody>
-        <a:bodyPr spcFirstLastPara="0" vert="horz" wrap="square" lIns="49530" tIns="49530" rIns="49530" bIns="49530" numCol="1" spcCol="1270" anchor="ctr" anchorCtr="0">
+        <a:bodyPr spcFirstLastPara="0" vert="horz" wrap="square" lIns="57150" tIns="57150" rIns="57150" bIns="57150" numCol="1" spcCol="1270" anchor="ctr" anchorCtr="0">
           <a:noAutofit/>
         </a:bodyPr>
         <a:lstStyle/>
         <a:p>
-          <a:pPr lvl="0" algn="ctr" defTabSz="577850" rtl="0">
+          <a:pPr lvl="0" algn="ctr" defTabSz="666750" rtl="0">
             <a:lnSpc>
               <a:spcPct val="90000"/>
             </a:lnSpc>
@@ -4394,12 +4381,12 @@
             </a:spcAft>
           </a:pPr>
           <a:r>
-            <a:rPr lang="en-US" sz="1300" kern="1200" dirty="0" smtClean="0"/>
+            <a:rPr lang="en-US" sz="1500" kern="1200" dirty="0" smtClean="0"/>
             <a:t> Annotated </a:t>
           </a:r>
         </a:p>
         <a:p>
-          <a:pPr lvl="0" algn="ctr" defTabSz="577850" rtl="0">
+          <a:pPr lvl="0" algn="ctr" defTabSz="666750" rtl="0">
             <a:lnSpc>
               <a:spcPct val="90000"/>
             </a:lnSpc>
@@ -4411,16 +4398,16 @@
             </a:spcAft>
           </a:pPr>
           <a:r>
-            <a:rPr lang="en-US" sz="1300" kern="1200" dirty="0" smtClean="0"/>
+            <a:rPr lang="en-US" sz="1500" kern="1200" dirty="0" smtClean="0"/>
             <a:t>Sequence</a:t>
           </a:r>
           <a:r>
-            <a:rPr lang="en-US" sz="1300" kern="1200" baseline="0" dirty="0" smtClean="0"/>
+            <a:rPr lang="en-US" sz="1500" kern="1200" baseline="0" dirty="0" smtClean="0"/>
             <a:t> </a:t>
           </a:r>
         </a:p>
         <a:p>
-          <a:pPr lvl="0" algn="ctr" defTabSz="577850" rtl="0">
+          <a:pPr lvl="0" algn="ctr" defTabSz="666750" rtl="0">
             <a:lnSpc>
               <a:spcPct val="90000"/>
             </a:lnSpc>
@@ -4432,15 +4419,15 @@
             </a:spcAft>
           </a:pPr>
           <a:r>
-            <a:rPr lang="en-US" sz="1300" kern="1200" baseline="0" dirty="0" smtClean="0"/>
+            <a:rPr lang="en-US" sz="1500" kern="1200" baseline="0" dirty="0" smtClean="0"/>
             <a:t>Objects- Matrix of Aligned Proteins annotated with helix locations</a:t>
           </a:r>
-          <a:endParaRPr lang="en-US" sz="1300" kern="1200" dirty="0"/>
+          <a:endParaRPr lang="en-US" sz="1500" kern="1200" dirty="0"/>
         </a:p>
       </dsp:txBody>
       <dsp:txXfrm>
-        <a:off x="4253136" y="1559449"/>
-        <a:ext cx="1413582" cy="1868737"/>
+        <a:off x="4253136" y="1423519"/>
+        <a:ext cx="1413582" cy="2140597"/>
       </dsp:txXfrm>
     </dsp:sp>
     <dsp:sp modelId="{02169A15-8F44-0F4E-8E62-3B6BA9F6FF93}">
@@ -4525,7 +4512,7 @@
         </a:bodyPr>
         <a:lstStyle/>
         <a:p>
-          <a:pPr lvl="0" algn="ctr" defTabSz="488950">
+          <a:pPr lvl="0" algn="ctr" defTabSz="533400">
             <a:lnSpc>
               <a:spcPct val="90000"/>
             </a:lnSpc>
@@ -4536,7 +4523,7 @@
               <a:spcPct val="35000"/>
             </a:spcAft>
           </a:pPr>
-          <a:endParaRPr lang="en-US" sz="1100" kern="1200"/>
+          <a:endParaRPr lang="en-US" sz="1200" kern="1200"/>
         </a:p>
       </dsp:txBody>
       <dsp:txXfrm>
@@ -4551,8 +4538,8 @@
       </dsp:nvSpPr>
       <dsp:spPr>
         <a:xfrm>
-          <a:off x="6311313" y="1515470"/>
-          <a:ext cx="1501540" cy="1956695"/>
+          <a:off x="6311313" y="1379540"/>
+          <a:ext cx="1501540" cy="2228555"/>
         </a:xfrm>
         <a:prstGeom prst="roundRect">
           <a:avLst>
@@ -4617,12 +4604,12 @@
         </a:fontRef>
       </dsp:style>
       <dsp:txBody>
-        <a:bodyPr spcFirstLastPara="0" vert="horz" wrap="square" lIns="49530" tIns="49530" rIns="49530" bIns="49530" numCol="1" spcCol="1270" anchor="ctr" anchorCtr="0">
+        <a:bodyPr spcFirstLastPara="0" vert="horz" wrap="square" lIns="57150" tIns="57150" rIns="57150" bIns="57150" numCol="1" spcCol="1270" anchor="ctr" anchorCtr="0">
           <a:noAutofit/>
         </a:bodyPr>
         <a:lstStyle/>
         <a:p>
-          <a:pPr lvl="0" algn="ctr" defTabSz="577850" rtl="0">
+          <a:pPr lvl="0" algn="ctr" defTabSz="666750" rtl="0">
             <a:lnSpc>
               <a:spcPct val="90000"/>
             </a:lnSpc>
@@ -4634,21 +4621,21 @@
             </a:spcAft>
           </a:pPr>
           <a:r>
-            <a:rPr lang="en-US" sz="1300" kern="1200" dirty="0" smtClean="0"/>
+            <a:rPr lang="en-US" sz="1500" kern="1200" dirty="0" smtClean="0"/>
             <a:t> Altered Target Sequence </a:t>
           </a:r>
           <a:r>
-            <a:rPr lang="en-US" sz="1300" kern="1200" dirty="0" smtClean="0">
+            <a:rPr lang="en-US" sz="1500" kern="1200" dirty="0" smtClean="0">
               <a:sym typeface="Wingdings"/>
             </a:rPr>
             <a:t> Windowing Technique</a:t>
           </a:r>
-          <a:endParaRPr lang="en-US" sz="1300" kern="1200" dirty="0"/>
+          <a:endParaRPr lang="en-US" sz="1500" kern="1200" dirty="0"/>
         </a:p>
       </dsp:txBody>
       <dsp:txXfrm>
-        <a:off x="6355292" y="1559449"/>
-        <a:ext cx="1413582" cy="1868737"/>
+        <a:off x="6355292" y="1423519"/>
+        <a:ext cx="1413582" cy="2140597"/>
       </dsp:txXfrm>
     </dsp:sp>
     <dsp:sp modelId="{5DE5AF06-CFFA-5444-BBE1-7ADED392C508}">
@@ -4733,7 +4720,7 @@
         </a:bodyPr>
         <a:lstStyle/>
         <a:p>
-          <a:pPr lvl="0" algn="ctr" defTabSz="488950">
+          <a:pPr lvl="0" algn="ctr" defTabSz="533400">
             <a:lnSpc>
               <a:spcPct val="90000"/>
             </a:lnSpc>
@@ -4744,7 +4731,7 @@
               <a:spcPct val="35000"/>
             </a:spcAft>
           </a:pPr>
-          <a:endParaRPr lang="en-US" sz="1100" kern="1200"/>
+          <a:endParaRPr lang="en-US" sz="1200" kern="1200"/>
         </a:p>
       </dsp:txBody>
       <dsp:txXfrm>
@@ -4759,8 +4746,8 @@
       </dsp:nvSpPr>
       <dsp:spPr>
         <a:xfrm>
-          <a:off x="8413470" y="1515470"/>
-          <a:ext cx="1501540" cy="1956695"/>
+          <a:off x="8413470" y="1379540"/>
+          <a:ext cx="1501540" cy="2228555"/>
         </a:xfrm>
         <a:prstGeom prst="roundRect">
           <a:avLst>
@@ -4825,12 +4812,12 @@
         </a:fontRef>
       </dsp:style>
       <dsp:txBody>
-        <a:bodyPr spcFirstLastPara="0" vert="horz" wrap="square" lIns="49530" tIns="49530" rIns="49530" bIns="49530" numCol="1" spcCol="1270" anchor="ctr" anchorCtr="0">
+        <a:bodyPr spcFirstLastPara="0" vert="horz" wrap="square" lIns="57150" tIns="57150" rIns="57150" bIns="57150" numCol="1" spcCol="1270" anchor="ctr" anchorCtr="0">
           <a:noAutofit/>
         </a:bodyPr>
         <a:lstStyle/>
         <a:p>
-          <a:pPr lvl="0" algn="ctr" defTabSz="577850" rtl="0">
+          <a:pPr lvl="0" algn="ctr" defTabSz="666750" rtl="0">
             <a:lnSpc>
               <a:spcPct val="90000"/>
             </a:lnSpc>
@@ -4842,19 +4829,23 @@
             </a:spcAft>
           </a:pPr>
           <a:r>
-            <a:rPr lang="en-US" sz="1300" kern="1200" dirty="0" smtClean="0"/>
+            <a:rPr lang="en-US" sz="1500" kern="1200" dirty="0" smtClean="0"/>
             <a:t>Benchmarking Against SwissProt</a:t>
           </a:r>
           <a:r>
-            <a:rPr lang="en-US" sz="1300" kern="1200" baseline="0" dirty="0" smtClean="0"/>
-            <a:t> KCNA1_HUMAN Annotations</a:t>
+            <a:rPr lang="en-US" sz="1500" kern="1200" baseline="0" dirty="0" smtClean="0"/>
+            <a:t> </a:t>
           </a:r>
-          <a:endParaRPr lang="en-US" sz="1300" kern="1200" dirty="0"/>
+          <a:r>
+            <a:rPr lang="en-US" sz="1500" kern="1200" baseline="0" dirty="0" smtClean="0"/>
+            <a:t>Annotations</a:t>
+          </a:r>
+          <a:endParaRPr lang="en-US" sz="1500" kern="1200" dirty="0"/>
         </a:p>
       </dsp:txBody>
       <dsp:txXfrm>
-        <a:off x="8457449" y="1559449"/>
-        <a:ext cx="1413582" cy="1868737"/>
+        <a:off x="8457449" y="1423519"/>
+        <a:ext cx="1413582" cy="2140597"/>
       </dsp:txXfrm>
     </dsp:sp>
   </dsp:spTree>
@@ -7303,7 +7294,7 @@
           <a:p>
             <a:fld id="{34A9F2DD-2116-654F-8372-4DDBBD5192E2}" type="datetimeFigureOut">
               <a:rPr lang="en-US" smtClean="0"/>
-              <a:t>3/21/17</a:t>
+              <a:t>4/22/17</a:t>
             </a:fld>
             <a:endParaRPr lang="en-US"/>
           </a:p>
@@ -7794,7 +7785,7 @@
           <a:p>
             <a:fld id="{796DB765-2ECA-424B-9D71-98DE5D0A9EA4}" type="datetimeFigureOut">
               <a:rPr lang="en-US" smtClean="0"/>
-              <a:t>3/21/17</a:t>
+              <a:t>4/22/17</a:t>
             </a:fld>
             <a:endParaRPr lang="en-US"/>
           </a:p>
@@ -8005,7 +7996,7 @@
           <a:p>
             <a:fld id="{796DB765-2ECA-424B-9D71-98DE5D0A9EA4}" type="datetimeFigureOut">
               <a:rPr lang="en-US" smtClean="0"/>
-              <a:t>3/21/17</a:t>
+              <a:t>4/22/17</a:t>
             </a:fld>
             <a:endParaRPr lang="en-US"/>
           </a:p>
@@ -8220,7 +8211,7 @@
           <a:p>
             <a:fld id="{796DB765-2ECA-424B-9D71-98DE5D0A9EA4}" type="datetimeFigureOut">
               <a:rPr lang="en-US" smtClean="0"/>
-              <a:t>3/21/17</a:t>
+              <a:t>4/22/17</a:t>
             </a:fld>
             <a:endParaRPr lang="en-US"/>
           </a:p>
@@ -8421,7 +8412,7 @@
           <a:p>
             <a:fld id="{796DB765-2ECA-424B-9D71-98DE5D0A9EA4}" type="datetimeFigureOut">
               <a:rPr lang="en-US" smtClean="0"/>
-              <a:t>3/21/17</a:t>
+              <a:t>4/22/17</a:t>
             </a:fld>
             <a:endParaRPr lang="en-US"/>
           </a:p>
@@ -8700,7 +8691,7 @@
           <a:p>
             <a:fld id="{796DB765-2ECA-424B-9D71-98DE5D0A9EA4}" type="datetimeFigureOut">
               <a:rPr lang="en-US" smtClean="0"/>
-              <a:t>3/21/17</a:t>
+              <a:t>4/22/17</a:t>
             </a:fld>
             <a:endParaRPr lang="en-US"/>
           </a:p>
@@ -8968,7 +8959,7 @@
           <a:p>
             <a:fld id="{796DB765-2ECA-424B-9D71-98DE5D0A9EA4}" type="datetimeFigureOut">
               <a:rPr lang="en-US" smtClean="0"/>
-              <a:t>3/21/17</a:t>
+              <a:t>4/22/17</a:t>
             </a:fld>
             <a:endParaRPr lang="en-US"/>
           </a:p>
@@ -9384,7 +9375,7 @@
           <a:p>
             <a:fld id="{796DB765-2ECA-424B-9D71-98DE5D0A9EA4}" type="datetimeFigureOut">
               <a:rPr lang="en-US" smtClean="0"/>
-              <a:t>3/21/17</a:t>
+              <a:t>4/22/17</a:t>
             </a:fld>
             <a:endParaRPr lang="en-US"/>
           </a:p>
@@ -9533,7 +9524,7 @@
           <a:p>
             <a:fld id="{796DB765-2ECA-424B-9D71-98DE5D0A9EA4}" type="datetimeFigureOut">
               <a:rPr lang="en-US" smtClean="0"/>
-              <a:t>3/21/17</a:t>
+              <a:t>4/22/17</a:t>
             </a:fld>
             <a:endParaRPr lang="en-US"/>
           </a:p>
@@ -9659,7 +9650,7 @@
           <a:p>
             <a:fld id="{796DB765-2ECA-424B-9D71-98DE5D0A9EA4}" type="datetimeFigureOut">
               <a:rPr lang="en-US" smtClean="0"/>
-              <a:t>3/21/17</a:t>
+              <a:t>4/22/17</a:t>
             </a:fld>
             <a:endParaRPr lang="en-US"/>
           </a:p>
@@ -9910,7 +9901,7 @@
           <a:p>
             <a:fld id="{796DB765-2ECA-424B-9D71-98DE5D0A9EA4}" type="datetimeFigureOut">
               <a:rPr lang="en-US" smtClean="0"/>
-              <a:t>3/21/17</a:t>
+              <a:t>4/22/17</a:t>
             </a:fld>
             <a:endParaRPr lang="en-US"/>
           </a:p>
@@ -10355,7 +10346,7 @@
           <a:p>
             <a:fld id="{796DB765-2ECA-424B-9D71-98DE5D0A9EA4}" type="datetimeFigureOut">
               <a:rPr lang="en-US" smtClean="0"/>
-              <a:t>3/21/17</a:t>
+              <a:t>4/22/17</a:t>
             </a:fld>
             <a:endParaRPr lang="en-US"/>
           </a:p>
@@ -10681,7 +10672,7 @@
           <a:p>
             <a:fld id="{796DB765-2ECA-424B-9D71-98DE5D0A9EA4}" type="datetimeFigureOut">
               <a:rPr lang="en-US" smtClean="0"/>
-              <a:t>3/21/17</a:t>
+              <a:t>4/22/17</a:t>
             </a:fld>
             <a:endParaRPr lang="en-US"/>
           </a:p>
@@ -11275,6 +11266,2116 @@
             <a:pPr algn="ctr"/>
             <a:r>
               <a:rPr lang="en-US" dirty="0" smtClean="0"/>
+              <a:t>Automating Benchmarking</a:t>
+            </a:r>
+            <a:endParaRPr lang="en-US" dirty="0"/>
+          </a:p>
+        </p:txBody>
+      </p:sp>
+      <p:sp>
+        <p:nvSpPr>
+          <p:cNvPr id="3" name="Content Placeholder 2"/>
+          <p:cNvSpPr>
+            <a:spLocks noGrp="1"/>
+          </p:cNvSpPr>
+          <p:nvPr>
+            <p:ph idx="1"/>
+          </p:nvPr>
+        </p:nvSpPr>
+        <p:spPr>
+          <a:xfrm>
+            <a:off x="1451579" y="2015732"/>
+            <a:ext cx="9603275" cy="3984015"/>
+          </a:xfrm>
+        </p:spPr>
+        <p:txBody>
+          <a:bodyPr>
+            <a:normAutofit/>
+          </a:bodyPr>
+          <a:lstStyle/>
+          <a:p>
+            <a:r>
+              <a:rPr lang="en-US" dirty="0" smtClean="0"/>
+              <a:t>Input: A SwissProt identifier (</a:t>
+            </a:r>
+            <a:r>
+              <a:rPr lang="en-US" dirty="0" err="1" smtClean="0"/>
+              <a:t>eg</a:t>
+            </a:r>
+            <a:r>
+              <a:rPr lang="en-US" dirty="0" smtClean="0"/>
+              <a:t> KCNA1_HUMAN), Target protein, TMHMM data, and unaligned homologs (BLAST E-value &lt; 0.05, global alignment) </a:t>
+            </a:r>
+          </a:p>
+          <a:p>
+            <a:pPr lvl="1"/>
+            <a:r>
+              <a:rPr lang="en-US" dirty="0" smtClean="0"/>
+              <a:t>Phylogenetic Method </a:t>
+            </a:r>
+          </a:p>
+          <a:p>
+            <a:pPr lvl="2"/>
+            <a:r>
+              <a:rPr lang="en-US" dirty="0" smtClean="0"/>
+              <a:t>Tune Phylogenetic Consensus parameters (</a:t>
+            </a:r>
+            <a:r>
+              <a:rPr lang="en-US" dirty="0" err="1" smtClean="0"/>
+              <a:t>Conensus</a:t>
+            </a:r>
+            <a:r>
+              <a:rPr lang="en-US" dirty="0" smtClean="0"/>
+              <a:t> Threshold varies depending on the number and distance of the homologs) </a:t>
+            </a:r>
+          </a:p>
+          <a:p>
+            <a:pPr lvl="2"/>
+            <a:r>
+              <a:rPr lang="en-US" dirty="0" smtClean="0"/>
+              <a:t>Calculate the number of correctly identified helical regions/Total number of Transmembrane regions </a:t>
+            </a:r>
+          </a:p>
+          <a:p>
+            <a:pPr lvl="2"/>
+            <a:r>
+              <a:rPr lang="en-US" dirty="0" smtClean="0"/>
+              <a:t>Calculate the total number of correctly aligned regions/ Total length of the protein </a:t>
+            </a:r>
+          </a:p>
+          <a:p>
+            <a:pPr lvl="2"/>
+            <a:r>
+              <a:rPr lang="en-US" dirty="0" smtClean="0"/>
+              <a:t>Modify filtering parameters to evaluate accuracy </a:t>
+            </a:r>
+          </a:p>
+          <a:p>
+            <a:pPr lvl="1"/>
+            <a:r>
+              <a:rPr lang="en-US" dirty="0" smtClean="0"/>
+              <a:t>Consensus Method </a:t>
+            </a:r>
+          </a:p>
+          <a:p>
+            <a:pPr lvl="2"/>
+            <a:r>
+              <a:rPr lang="en-US" dirty="0" smtClean="0"/>
+              <a:t>Set Column consensus threshold to 70% and identified matches </a:t>
+            </a:r>
+          </a:p>
+          <a:p>
+            <a:pPr lvl="2"/>
+            <a:endParaRPr lang="en-US" dirty="0"/>
+          </a:p>
+        </p:txBody>
+      </p:sp>
+    </p:spTree>
+    <p:extLst>
+      <p:ext uri="{BB962C8B-B14F-4D97-AF65-F5344CB8AC3E}">
+        <p14:creationId xmlns:p14="http://schemas.microsoft.com/office/powerpoint/2010/main" val="1762146141"/>
+      </p:ext>
+    </p:extLst>
+  </p:cSld>
+  <p:clrMapOvr>
+    <a:masterClrMapping/>
+  </p:clrMapOvr>
+</p:sld>
+</file>
+
+<file path=ppt/slides/slide11.xml><?xml version="1.0" encoding="utf-8"?>
+<p:sld xmlns:a="http://schemas.openxmlformats.org/drawingml/2006/main" xmlns:r="http://schemas.openxmlformats.org/officeDocument/2006/relationships" xmlns:p="http://schemas.openxmlformats.org/presentationml/2006/main">
+  <p:cSld>
+    <p:spTree>
+      <p:nvGrpSpPr>
+        <p:cNvPr id="1" name=""/>
+        <p:cNvGrpSpPr/>
+        <p:nvPr/>
+      </p:nvGrpSpPr>
+      <p:grpSpPr>
+        <a:xfrm>
+          <a:off x="0" y="0"/>
+          <a:ext cx="0" cy="0"/>
+          <a:chOff x="0" y="0"/>
+          <a:chExt cx="0" cy="0"/>
+        </a:xfrm>
+      </p:grpSpPr>
+      <p:sp>
+        <p:nvSpPr>
+          <p:cNvPr id="2" name="Title 1"/>
+          <p:cNvSpPr>
+            <a:spLocks noGrp="1"/>
+          </p:cNvSpPr>
+          <p:nvPr>
+            <p:ph type="title"/>
+          </p:nvPr>
+        </p:nvSpPr>
+        <p:spPr/>
+        <p:txBody>
+          <a:bodyPr/>
+          <a:lstStyle/>
+          <a:p>
+            <a:pPr algn="ctr"/>
+            <a:r>
+              <a:rPr lang="en-US" dirty="0" smtClean="0"/>
+              <a:t>Benchmark Selection</a:t>
+            </a:r>
+            <a:endParaRPr lang="en-US" dirty="0"/>
+          </a:p>
+        </p:txBody>
+      </p:sp>
+      <p:sp>
+        <p:nvSpPr>
+          <p:cNvPr id="3" name="Content Placeholder 2"/>
+          <p:cNvSpPr>
+            <a:spLocks noGrp="1"/>
+          </p:cNvSpPr>
+          <p:nvPr>
+            <p:ph idx="1"/>
+          </p:nvPr>
+        </p:nvSpPr>
+        <p:spPr/>
+        <p:txBody>
+          <a:bodyPr/>
+          <a:lstStyle/>
+          <a:p>
+            <a:r>
+              <a:rPr lang="en-US" dirty="0" smtClean="0"/>
+              <a:t>Proteins with 5/5 Annotation Scores in SwissProt with Experimental Evidence </a:t>
+            </a:r>
+          </a:p>
+          <a:p>
+            <a:pPr lvl="1"/>
+            <a:r>
+              <a:rPr lang="en-US" dirty="0" smtClean="0"/>
+              <a:t>KCNA1_HUMAN (Though there are concerns about interpreting Intramembrane regions, it appears the phylogenetic approach resolved some of these issues) </a:t>
+            </a:r>
+          </a:p>
+          <a:p>
+            <a:pPr lvl="1"/>
+            <a:r>
+              <a:rPr lang="en-US" dirty="0" smtClean="0"/>
+              <a:t>TLR1_HUMAN</a:t>
+            </a:r>
+          </a:p>
+          <a:p>
+            <a:pPr lvl="1"/>
+            <a:r>
+              <a:rPr lang="en-US" dirty="0" smtClean="0"/>
+              <a:t>ZYX_HUMAN</a:t>
+            </a:r>
+          </a:p>
+          <a:p>
+            <a:pPr lvl="1"/>
+            <a:r>
+              <a:rPr lang="en-US" dirty="0" smtClean="0"/>
+              <a:t>Z02_HUMAN </a:t>
+            </a:r>
+            <a:endParaRPr lang="en-US" dirty="0"/>
+          </a:p>
+        </p:txBody>
+      </p:sp>
+    </p:spTree>
+    <p:extLst>
+      <p:ext uri="{BB962C8B-B14F-4D97-AF65-F5344CB8AC3E}">
+        <p14:creationId xmlns:p14="http://schemas.microsoft.com/office/powerpoint/2010/main" val="732046704"/>
+      </p:ext>
+    </p:extLst>
+  </p:cSld>
+  <p:clrMapOvr>
+    <a:masterClrMapping/>
+  </p:clrMapOvr>
+</p:sld>
+</file>
+
+<file path=ppt/slides/slide12.xml><?xml version="1.0" encoding="utf-8"?>
+<p:sld xmlns:a="http://schemas.openxmlformats.org/drawingml/2006/main" xmlns:r="http://schemas.openxmlformats.org/officeDocument/2006/relationships" xmlns:p="http://schemas.openxmlformats.org/presentationml/2006/main">
+  <p:cSld>
+    <p:spTree>
+      <p:nvGrpSpPr>
+        <p:cNvPr id="1" name=""/>
+        <p:cNvGrpSpPr/>
+        <p:nvPr/>
+      </p:nvGrpSpPr>
+      <p:grpSpPr>
+        <a:xfrm>
+          <a:off x="0" y="0"/>
+          <a:ext cx="0" cy="0"/>
+          <a:chOff x="0" y="0"/>
+          <a:chExt cx="0" cy="0"/>
+        </a:xfrm>
+      </p:grpSpPr>
+      <p:sp>
+        <p:nvSpPr>
+          <p:cNvPr id="2" name="Title 1"/>
+          <p:cNvSpPr>
+            <a:spLocks noGrp="1"/>
+          </p:cNvSpPr>
+          <p:nvPr>
+            <p:ph type="title"/>
+          </p:nvPr>
+        </p:nvSpPr>
+        <p:spPr/>
+        <p:txBody>
+          <a:bodyPr/>
+          <a:lstStyle/>
+          <a:p>
+            <a:pPr algn="ctr"/>
+            <a:r>
+              <a:rPr lang="en-US" dirty="0" smtClean="0"/>
+              <a:t>Phylogenetic Program outputs </a:t>
+            </a:r>
+            <a:endParaRPr lang="en-US" dirty="0"/>
+          </a:p>
+        </p:txBody>
+      </p:sp>
+      <p:sp>
+        <p:nvSpPr>
+          <p:cNvPr id="5" name="TextBox 4"/>
+          <p:cNvSpPr txBox="1"/>
+          <p:nvPr/>
+        </p:nvSpPr>
+        <p:spPr>
+          <a:xfrm>
+            <a:off x="2085474" y="1983709"/>
+            <a:ext cx="3224463" cy="369332"/>
+          </a:xfrm>
+          <a:prstGeom prst="rect">
+            <a:avLst/>
+          </a:prstGeom>
+          <a:noFill/>
+        </p:spPr>
+        <p:txBody>
+          <a:bodyPr wrap="square" rtlCol="0">
+            <a:spAutoFit/>
+          </a:bodyPr>
+          <a:lstStyle/>
+          <a:p>
+            <a:r>
+              <a:rPr lang="en-US" dirty="0" smtClean="0"/>
+              <a:t>KCNA1_HUMAN </a:t>
+            </a:r>
+            <a:endParaRPr lang="en-US" dirty="0"/>
+          </a:p>
+        </p:txBody>
+      </p:sp>
+      <p:pic>
+        <p:nvPicPr>
+          <p:cNvPr id="6" name="Picture 5"/>
+          <p:cNvPicPr>
+            <a:picLocks noChangeAspect="1"/>
+          </p:cNvPicPr>
+          <p:nvPr/>
+        </p:nvPicPr>
+        <p:blipFill>
+          <a:blip r:embed="rId2"/>
+          <a:stretch>
+            <a:fillRect/>
+          </a:stretch>
+        </p:blipFill>
+        <p:spPr>
+          <a:xfrm>
+            <a:off x="1169403" y="2328924"/>
+            <a:ext cx="4254500" cy="939800"/>
+          </a:xfrm>
+          <a:prstGeom prst="rect">
+            <a:avLst/>
+          </a:prstGeom>
+        </p:spPr>
+      </p:pic>
+      <p:sp>
+        <p:nvSpPr>
+          <p:cNvPr id="8" name="TextBox 7"/>
+          <p:cNvSpPr txBox="1"/>
+          <p:nvPr/>
+        </p:nvSpPr>
+        <p:spPr>
+          <a:xfrm>
+            <a:off x="385011" y="5149515"/>
+            <a:ext cx="3080084" cy="646331"/>
+          </a:xfrm>
+          <a:prstGeom prst="rect">
+            <a:avLst/>
+          </a:prstGeom>
+          <a:noFill/>
+        </p:spPr>
+        <p:txBody>
+          <a:bodyPr wrap="square" rtlCol="0">
+            <a:spAutoFit/>
+          </a:bodyPr>
+          <a:lstStyle/>
+          <a:p>
+            <a:r>
+              <a:rPr lang="en-US" dirty="0" smtClean="0"/>
+              <a:t>Figures 1-4: Accuracy given by</a:t>
+            </a:r>
+            <a:br>
+              <a:rPr lang="en-US" dirty="0" smtClean="0"/>
+            </a:br>
+            <a:r>
+              <a:rPr lang="en-US" dirty="0" smtClean="0"/>
+              <a:t>0.8-0.9 Thresholds  </a:t>
+            </a:r>
+            <a:endParaRPr lang="en-US" dirty="0"/>
+          </a:p>
+        </p:txBody>
+      </p:sp>
+      <mc:AlternateContent xmlns:mc="http://schemas.openxmlformats.org/markup-compatibility/2006" xmlns:a14="http://schemas.microsoft.com/office/drawing/2010/main">
+        <mc:Choice Requires="a14">
+          <p:sp>
+            <p:nvSpPr>
+              <p:cNvPr id="9" name="TextBox 8"/>
+              <p:cNvSpPr txBox="1"/>
+              <p:nvPr/>
+            </p:nvSpPr>
+            <p:spPr>
+              <a:xfrm>
+                <a:off x="3465095" y="5195681"/>
+                <a:ext cx="6301662" cy="574516"/>
+              </a:xfrm>
+              <a:prstGeom prst="rect">
+                <a:avLst/>
+              </a:prstGeom>
+              <a:noFill/>
+            </p:spPr>
+            <p:txBody>
+              <a:bodyPr wrap="none" lIns="0" tIns="0" rIns="0" bIns="0" rtlCol="0">
+                <a:spAutoFit/>
+              </a:bodyPr>
+              <a:lstStyle/>
+              <a:p>
+                <a:pPr/>
+                <a14:m>
+                  <m:oMathPara xmlns:m="http://schemas.openxmlformats.org/officeDocument/2006/math">
+                    <m:oMathParaPr>
+                      <m:jc m:val="centerGroup"/>
+                    </m:oMathParaPr>
+                    <m:oMath xmlns:m="http://schemas.openxmlformats.org/officeDocument/2006/math">
+                      <m:f>
+                        <m:fPr>
+                          <m:ctrlPr>
+                            <a:rPr lang="mr-IN" i="1" smtClean="0">
+                              <a:latin typeface="Cambria Math" charset="0"/>
+                            </a:rPr>
+                          </m:ctrlPr>
+                        </m:fPr>
+                        <m:num>
+                          <m:r>
+                            <a:rPr lang="en-US" b="0" i="1" smtClean="0">
+                              <a:latin typeface="Cambria Math" charset="0"/>
+                            </a:rPr>
+                            <m:t>𝐶𝑜𝑟𝑟𝑒𝑐𝑡𝑙𝑦</m:t>
+                          </m:r>
+                          <m:r>
+                            <a:rPr lang="en-US" b="0" i="1" smtClean="0">
+                              <a:latin typeface="Cambria Math" charset="0"/>
+                            </a:rPr>
+                            <m:t> </m:t>
+                          </m:r>
+                          <m:r>
+                            <a:rPr lang="en-US" b="0" i="1" smtClean="0">
+                              <a:latin typeface="Cambria Math" charset="0"/>
+                            </a:rPr>
+                            <m:t>𝑃𝑟𝑒𝑑𝑖𝑐𝑡𝑒𝑑</m:t>
+                          </m:r>
+                          <m:r>
+                            <a:rPr lang="en-US" b="0" i="1" smtClean="0">
+                              <a:latin typeface="Cambria Math" charset="0"/>
+                            </a:rPr>
+                            <m:t> </m:t>
+                          </m:r>
+                          <m:r>
+                            <a:rPr lang="en-US" b="0" i="1" smtClean="0">
+                              <a:latin typeface="Cambria Math" charset="0"/>
+                            </a:rPr>
+                            <m:t>𝑇𝑟𝑎𝑛𝑠𝑚𝑒𝑚𝑏𝑟𝑎𝑛𝑒</m:t>
+                          </m:r>
+                          <m:r>
+                            <a:rPr lang="en-US" b="0" i="1" smtClean="0">
+                              <a:latin typeface="Cambria Math" charset="0"/>
+                            </a:rPr>
+                            <m:t> </m:t>
+                          </m:r>
+                          <m:r>
+                            <a:rPr lang="en-US" b="0" i="1" smtClean="0">
+                              <a:latin typeface="Cambria Math" charset="0"/>
+                            </a:rPr>
+                            <m:t>𝑅𝑒𝑔𝑖𝑜𝑛𝑠</m:t>
+                          </m:r>
+                        </m:num>
+                        <m:den>
+                          <m:r>
+                            <a:rPr lang="en-US" b="0" i="1" smtClean="0">
+                              <a:latin typeface="Cambria Math" charset="0"/>
+                            </a:rPr>
+                            <m:t>𝑇𝑜𝑡𝑎𝑙</m:t>
+                          </m:r>
+                          <m:r>
+                            <a:rPr lang="en-US" b="0" i="1" smtClean="0">
+                              <a:latin typeface="Cambria Math" charset="0"/>
+                            </a:rPr>
+                            <m:t> </m:t>
+                          </m:r>
+                          <m:r>
+                            <a:rPr lang="en-US" b="0" i="1" smtClean="0">
+                              <a:latin typeface="Cambria Math" charset="0"/>
+                            </a:rPr>
+                            <m:t>𝑇𝑟𝑎𝑛𝑠𝑚𝑒𝑚𝑏𝑟𝑎𝑛𝑒</m:t>
+                          </m:r>
+                          <m:r>
+                            <a:rPr lang="en-US" b="0" i="1" smtClean="0">
+                              <a:latin typeface="Cambria Math" charset="0"/>
+                            </a:rPr>
+                            <m:t> </m:t>
+                          </m:r>
+                          <m:r>
+                            <a:rPr lang="en-US" b="0" i="1" smtClean="0">
+                              <a:latin typeface="Cambria Math" charset="0"/>
+                            </a:rPr>
+                            <m:t>𝑅𝑒𝑔𝑖𝑜𝑛𝑠</m:t>
+                          </m:r>
+                          <m:r>
+                            <a:rPr lang="en-US" b="0" i="1" smtClean="0">
+                              <a:latin typeface="Cambria Math" charset="0"/>
+                            </a:rPr>
+                            <m:t> </m:t>
+                          </m:r>
+                        </m:den>
+                      </m:f>
+                      <m:r>
+                        <a:rPr lang="en-US" b="0" i="1" smtClean="0">
+                          <a:latin typeface="Cambria Math" charset="0"/>
+                        </a:rPr>
+                        <m:t>, </m:t>
+                      </m:r>
+                      <m:r>
+                        <a:rPr lang="en-US" b="0" i="1" smtClean="0">
+                          <a:latin typeface="Cambria Math" charset="0"/>
+                        </a:rPr>
+                        <m:t>𝑏𝑦</m:t>
+                      </m:r>
+                      <m:r>
+                        <a:rPr lang="en-US" b="0" i="1" smtClean="0">
+                          <a:latin typeface="Cambria Math" charset="0"/>
+                        </a:rPr>
+                        <m:t> </m:t>
+                      </m:r>
+                      <m:r>
+                        <a:rPr lang="en-US" b="0" i="1" smtClean="0">
+                          <a:latin typeface="Cambria Math" charset="0"/>
+                        </a:rPr>
+                        <m:t>𝑆𝑤𝑖𝑠𝑠𝑃𝑟𝑜𝑡</m:t>
+                      </m:r>
+                    </m:oMath>
+                  </m:oMathPara>
+                </a14:m>
+                <a:endParaRPr lang="en-US" dirty="0"/>
+              </a:p>
+            </p:txBody>
+          </p:sp>
+        </mc:Choice>
+        <mc:Fallback xmlns="">
+          <p:sp>
+            <p:nvSpPr>
+              <p:cNvPr id="9" name="TextBox 8"/>
+              <p:cNvSpPr txBox="1">
+                <a:spLocks noRot="1" noChangeAspect="1" noMove="1" noResize="1" noEditPoints="1" noAdjustHandles="1" noChangeArrowheads="1" noChangeShapeType="1" noTextEdit="1"/>
+              </p:cNvSpPr>
+              <p:nvPr/>
+            </p:nvSpPr>
+            <p:spPr>
+              <a:xfrm>
+                <a:off x="3465095" y="5195681"/>
+                <a:ext cx="6301662" cy="574516"/>
+              </a:xfrm>
+              <a:prstGeom prst="rect">
+                <a:avLst/>
+              </a:prstGeom>
+              <a:blipFill rotWithShape="0">
+                <a:blip r:embed="rId3"/>
+                <a:stretch>
+                  <a:fillRect/>
+                </a:stretch>
+              </a:blipFill>
+            </p:spPr>
+            <p:txBody>
+              <a:bodyPr/>
+              <a:lstStyle/>
+              <a:p>
+                <a:r>
+                  <a:rPr lang="en-US">
+                    <a:noFill/>
+                  </a:rPr>
+                  <a:t> </a:t>
+                </a:r>
+              </a:p>
+            </p:txBody>
+          </p:sp>
+        </mc:Fallback>
+      </mc:AlternateContent>
+      <p:pic>
+        <p:nvPicPr>
+          <p:cNvPr id="10" name="Picture 9"/>
+          <p:cNvPicPr>
+            <a:picLocks noChangeAspect="1"/>
+          </p:cNvPicPr>
+          <p:nvPr/>
+        </p:nvPicPr>
+        <p:blipFill>
+          <a:blip r:embed="rId4"/>
+          <a:stretch>
+            <a:fillRect/>
+          </a:stretch>
+        </p:blipFill>
+        <p:spPr>
+          <a:xfrm>
+            <a:off x="7179845" y="2353041"/>
+            <a:ext cx="2933700" cy="952500"/>
+          </a:xfrm>
+          <a:prstGeom prst="rect">
+            <a:avLst/>
+          </a:prstGeom>
+        </p:spPr>
+      </p:pic>
+      <p:sp>
+        <p:nvSpPr>
+          <p:cNvPr id="11" name="TextBox 10"/>
+          <p:cNvSpPr txBox="1"/>
+          <p:nvPr/>
+        </p:nvSpPr>
+        <p:spPr>
+          <a:xfrm>
+            <a:off x="7355305" y="1924874"/>
+            <a:ext cx="2582779" cy="369332"/>
+          </a:xfrm>
+          <a:prstGeom prst="rect">
+            <a:avLst/>
+          </a:prstGeom>
+          <a:noFill/>
+        </p:spPr>
+        <p:txBody>
+          <a:bodyPr wrap="square" rtlCol="0">
+            <a:spAutoFit/>
+          </a:bodyPr>
+          <a:lstStyle/>
+          <a:p>
+            <a:pPr algn="ctr"/>
+            <a:r>
+              <a:rPr lang="en-US" dirty="0" smtClean="0"/>
+              <a:t>ZO2_HUMAN</a:t>
+            </a:r>
+            <a:endParaRPr lang="en-US" dirty="0"/>
+          </a:p>
+        </p:txBody>
+      </p:sp>
+      <p:sp>
+        <p:nvSpPr>
+          <p:cNvPr id="12" name="TextBox 11"/>
+          <p:cNvSpPr txBox="1"/>
+          <p:nvPr/>
+        </p:nvSpPr>
+        <p:spPr>
+          <a:xfrm>
+            <a:off x="10113545" y="2294206"/>
+            <a:ext cx="2045368" cy="1200329"/>
+          </a:xfrm>
+          <a:prstGeom prst="rect">
+            <a:avLst/>
+          </a:prstGeom>
+          <a:noFill/>
+        </p:spPr>
+        <p:txBody>
+          <a:bodyPr wrap="square" rtlCol="0">
+            <a:spAutoFit/>
+          </a:bodyPr>
+          <a:lstStyle/>
+          <a:p>
+            <a:r>
+              <a:rPr lang="en-US" dirty="0" smtClean="0"/>
+              <a:t>Tendency towards </a:t>
+            </a:r>
+            <a:r>
+              <a:rPr lang="en-US" dirty="0" err="1" smtClean="0"/>
+              <a:t>overprediction</a:t>
+            </a:r>
+            <a:r>
+              <a:rPr lang="en-US" dirty="0" smtClean="0"/>
+              <a:t> when no TMH Regions are present</a:t>
+            </a:r>
+            <a:endParaRPr lang="en-US" dirty="0"/>
+          </a:p>
+        </p:txBody>
+      </p:sp>
+      <p:pic>
+        <p:nvPicPr>
+          <p:cNvPr id="13" name="Picture 12"/>
+          <p:cNvPicPr>
+            <a:picLocks noChangeAspect="1"/>
+          </p:cNvPicPr>
+          <p:nvPr/>
+        </p:nvPicPr>
+        <p:blipFill>
+          <a:blip r:embed="rId5"/>
+          <a:stretch>
+            <a:fillRect/>
+          </a:stretch>
+        </p:blipFill>
+        <p:spPr>
+          <a:xfrm>
+            <a:off x="1169402" y="4243181"/>
+            <a:ext cx="2825082" cy="698500"/>
+          </a:xfrm>
+          <a:prstGeom prst="rect">
+            <a:avLst/>
+          </a:prstGeom>
+        </p:spPr>
+      </p:pic>
+      <p:sp>
+        <p:nvSpPr>
+          <p:cNvPr id="14" name="TextBox 13"/>
+          <p:cNvSpPr txBox="1"/>
+          <p:nvPr/>
+        </p:nvSpPr>
+        <p:spPr>
+          <a:xfrm>
+            <a:off x="5423903" y="2294206"/>
+            <a:ext cx="1755942" cy="1200329"/>
+          </a:xfrm>
+          <a:prstGeom prst="rect">
+            <a:avLst/>
+          </a:prstGeom>
+          <a:noFill/>
+        </p:spPr>
+        <p:txBody>
+          <a:bodyPr wrap="square" rtlCol="0">
+            <a:spAutoFit/>
+          </a:bodyPr>
+          <a:lstStyle/>
+          <a:p>
+            <a:r>
+              <a:rPr lang="en-US" dirty="0" smtClean="0"/>
+              <a:t>Handles issues </a:t>
+            </a:r>
+            <a:r>
+              <a:rPr lang="en-US" smtClean="0"/>
+              <a:t>with Intramembrane Regions</a:t>
+            </a:r>
+            <a:endParaRPr lang="en-US"/>
+          </a:p>
+        </p:txBody>
+      </p:sp>
+      <p:sp>
+        <p:nvSpPr>
+          <p:cNvPr id="15" name="TextBox 14"/>
+          <p:cNvSpPr txBox="1"/>
+          <p:nvPr/>
+        </p:nvSpPr>
+        <p:spPr>
+          <a:xfrm>
+            <a:off x="1169402" y="3835113"/>
+            <a:ext cx="2655200" cy="369332"/>
+          </a:xfrm>
+          <a:prstGeom prst="rect">
+            <a:avLst/>
+          </a:prstGeom>
+          <a:noFill/>
+        </p:spPr>
+        <p:txBody>
+          <a:bodyPr wrap="square" rtlCol="0">
+            <a:spAutoFit/>
+          </a:bodyPr>
+          <a:lstStyle/>
+          <a:p>
+            <a:pPr algn="ctr"/>
+            <a:r>
+              <a:rPr lang="en-US" dirty="0"/>
+              <a:t>ZYX_HUMAN</a:t>
+            </a:r>
+          </a:p>
+        </p:txBody>
+      </p:sp>
+      <p:sp>
+        <p:nvSpPr>
+          <p:cNvPr id="16" name="TextBox 15"/>
+          <p:cNvSpPr txBox="1"/>
+          <p:nvPr/>
+        </p:nvSpPr>
+        <p:spPr>
+          <a:xfrm>
+            <a:off x="3994483" y="4204445"/>
+            <a:ext cx="2550695" cy="923330"/>
+          </a:xfrm>
+          <a:prstGeom prst="rect">
+            <a:avLst/>
+          </a:prstGeom>
+          <a:noFill/>
+        </p:spPr>
+        <p:txBody>
+          <a:bodyPr wrap="square" rtlCol="0">
+            <a:spAutoFit/>
+          </a:bodyPr>
+          <a:lstStyle/>
+          <a:p>
+            <a:r>
+              <a:rPr lang="en-US" dirty="0" smtClean="0"/>
+              <a:t>Easily Predicted </a:t>
+            </a:r>
+            <a:r>
+              <a:rPr lang="en-US" smtClean="0"/>
+              <a:t>Regions are also identified by this method</a:t>
+            </a:r>
+            <a:endParaRPr lang="en-US"/>
+          </a:p>
+        </p:txBody>
+      </p:sp>
+      <p:pic>
+        <p:nvPicPr>
+          <p:cNvPr id="17" name="Picture 16"/>
+          <p:cNvPicPr>
+            <a:picLocks noChangeAspect="1"/>
+          </p:cNvPicPr>
+          <p:nvPr/>
+        </p:nvPicPr>
+        <p:blipFill>
+          <a:blip r:embed="rId6"/>
+          <a:stretch>
+            <a:fillRect/>
+          </a:stretch>
+        </p:blipFill>
+        <p:spPr>
+          <a:xfrm>
+            <a:off x="6715059" y="3902241"/>
+            <a:ext cx="4094344" cy="1008217"/>
+          </a:xfrm>
+          <a:prstGeom prst="rect">
+            <a:avLst/>
+          </a:prstGeom>
+        </p:spPr>
+      </p:pic>
+      <p:sp>
+        <p:nvSpPr>
+          <p:cNvPr id="18" name="TextBox 17"/>
+          <p:cNvSpPr txBox="1"/>
+          <p:nvPr/>
+        </p:nvSpPr>
+        <p:spPr>
+          <a:xfrm>
+            <a:off x="10809403" y="3835113"/>
+            <a:ext cx="1349510" cy="1477328"/>
+          </a:xfrm>
+          <a:prstGeom prst="rect">
+            <a:avLst/>
+          </a:prstGeom>
+          <a:noFill/>
+        </p:spPr>
+        <p:txBody>
+          <a:bodyPr wrap="square" rtlCol="0">
+            <a:spAutoFit/>
+          </a:bodyPr>
+          <a:lstStyle/>
+          <a:p>
+            <a:r>
+              <a:rPr lang="en-US" dirty="0" smtClean="0"/>
+              <a:t>By Observation, Threshold increased to 0.90</a:t>
+            </a:r>
+            <a:endParaRPr lang="en-US" dirty="0"/>
+          </a:p>
+        </p:txBody>
+      </p:sp>
+      <p:sp>
+        <p:nvSpPr>
+          <p:cNvPr id="3" name="TextBox 2"/>
+          <p:cNvSpPr txBox="1"/>
+          <p:nvPr/>
+        </p:nvSpPr>
+        <p:spPr>
+          <a:xfrm>
+            <a:off x="7355305" y="3494535"/>
+            <a:ext cx="2758240" cy="369332"/>
+          </a:xfrm>
+          <a:prstGeom prst="rect">
+            <a:avLst/>
+          </a:prstGeom>
+          <a:noFill/>
+        </p:spPr>
+        <p:txBody>
+          <a:bodyPr wrap="square" rtlCol="0">
+            <a:spAutoFit/>
+          </a:bodyPr>
+          <a:lstStyle/>
+          <a:p>
+            <a:r>
+              <a:rPr lang="en-US" dirty="0" smtClean="0"/>
+              <a:t>TLR1_HUMAN</a:t>
+            </a:r>
+            <a:endParaRPr lang="en-US" dirty="0"/>
+          </a:p>
+        </p:txBody>
+      </p:sp>
+    </p:spTree>
+    <p:extLst>
+      <p:ext uri="{BB962C8B-B14F-4D97-AF65-F5344CB8AC3E}">
+        <p14:creationId xmlns:p14="http://schemas.microsoft.com/office/powerpoint/2010/main" val="910805600"/>
+      </p:ext>
+    </p:extLst>
+  </p:cSld>
+  <p:clrMapOvr>
+    <a:masterClrMapping/>
+  </p:clrMapOvr>
+</p:sld>
+</file>
+
+<file path=ppt/slides/slide13.xml><?xml version="1.0" encoding="utf-8"?>
+<p:sld xmlns:a="http://schemas.openxmlformats.org/drawingml/2006/main" xmlns:r="http://schemas.openxmlformats.org/officeDocument/2006/relationships" xmlns:p="http://schemas.openxmlformats.org/presentationml/2006/main">
+  <p:cSld>
+    <p:spTree>
+      <p:nvGrpSpPr>
+        <p:cNvPr id="1" name=""/>
+        <p:cNvGrpSpPr/>
+        <p:nvPr/>
+      </p:nvGrpSpPr>
+      <p:grpSpPr>
+        <a:xfrm>
+          <a:off x="0" y="0"/>
+          <a:ext cx="0" cy="0"/>
+          <a:chOff x="0" y="0"/>
+          <a:chExt cx="0" cy="0"/>
+        </a:xfrm>
+      </p:grpSpPr>
+      <p:sp>
+        <p:nvSpPr>
+          <p:cNvPr id="2" name="Title 1"/>
+          <p:cNvSpPr>
+            <a:spLocks noGrp="1"/>
+          </p:cNvSpPr>
+          <p:nvPr>
+            <p:ph type="title"/>
+          </p:nvPr>
+        </p:nvSpPr>
+        <p:spPr/>
+        <p:txBody>
+          <a:bodyPr/>
+          <a:lstStyle/>
+          <a:p>
+            <a:pPr algn="ctr"/>
+            <a:r>
+              <a:rPr lang="en-US" dirty="0" smtClean="0"/>
+              <a:t>Consensus Program outputs</a:t>
+            </a:r>
+            <a:endParaRPr lang="en-US" dirty="0"/>
+          </a:p>
+        </p:txBody>
+      </p:sp>
+      <p:pic>
+        <p:nvPicPr>
+          <p:cNvPr id="4" name="Picture 3"/>
+          <p:cNvPicPr>
+            <a:picLocks noChangeAspect="1"/>
+          </p:cNvPicPr>
+          <p:nvPr/>
+        </p:nvPicPr>
+        <p:blipFill>
+          <a:blip r:embed="rId2"/>
+          <a:stretch>
+            <a:fillRect/>
+          </a:stretch>
+        </p:blipFill>
+        <p:spPr>
+          <a:xfrm>
+            <a:off x="1451579" y="2509284"/>
+            <a:ext cx="4292600" cy="510363"/>
+          </a:xfrm>
+          <a:prstGeom prst="rect">
+            <a:avLst/>
+          </a:prstGeom>
+        </p:spPr>
+      </p:pic>
+      <p:sp>
+        <p:nvSpPr>
+          <p:cNvPr id="5" name="TextBox 4"/>
+          <p:cNvSpPr txBox="1"/>
+          <p:nvPr/>
+        </p:nvSpPr>
+        <p:spPr>
+          <a:xfrm>
+            <a:off x="2492093" y="1994785"/>
+            <a:ext cx="2211572" cy="369332"/>
+          </a:xfrm>
+          <a:prstGeom prst="rect">
+            <a:avLst/>
+          </a:prstGeom>
+          <a:noFill/>
+        </p:spPr>
+        <p:txBody>
+          <a:bodyPr wrap="square" rtlCol="0">
+            <a:spAutoFit/>
+          </a:bodyPr>
+          <a:lstStyle/>
+          <a:p>
+            <a:r>
+              <a:rPr lang="en-US" dirty="0" smtClean="0"/>
+              <a:t>KCNA1_HUMAN</a:t>
+            </a:r>
+            <a:endParaRPr lang="en-US" dirty="0"/>
+          </a:p>
+        </p:txBody>
+      </p:sp>
+      <p:pic>
+        <p:nvPicPr>
+          <p:cNvPr id="6" name="Picture 5"/>
+          <p:cNvPicPr>
+            <a:picLocks noChangeAspect="1"/>
+          </p:cNvPicPr>
+          <p:nvPr/>
+        </p:nvPicPr>
+        <p:blipFill>
+          <a:blip r:embed="rId3"/>
+          <a:stretch>
+            <a:fillRect/>
+          </a:stretch>
+        </p:blipFill>
+        <p:spPr>
+          <a:xfrm>
+            <a:off x="6253216" y="2394908"/>
+            <a:ext cx="4254500" cy="739114"/>
+          </a:xfrm>
+          <a:prstGeom prst="rect">
+            <a:avLst/>
+          </a:prstGeom>
+        </p:spPr>
+      </p:pic>
+      <p:sp>
+        <p:nvSpPr>
+          <p:cNvPr id="7" name="TextBox 6"/>
+          <p:cNvSpPr txBox="1"/>
+          <p:nvPr/>
+        </p:nvSpPr>
+        <p:spPr>
+          <a:xfrm>
+            <a:off x="6804837" y="1994785"/>
+            <a:ext cx="3211033" cy="369332"/>
+          </a:xfrm>
+          <a:prstGeom prst="rect">
+            <a:avLst/>
+          </a:prstGeom>
+          <a:noFill/>
+        </p:spPr>
+        <p:txBody>
+          <a:bodyPr wrap="square" rtlCol="0">
+            <a:spAutoFit/>
+          </a:bodyPr>
+          <a:lstStyle/>
+          <a:p>
+            <a:pPr algn="ctr"/>
+            <a:r>
+              <a:rPr lang="en-US" dirty="0" smtClean="0"/>
+              <a:t>TLR1_HUMAN</a:t>
+            </a:r>
+            <a:endParaRPr lang="en-US" dirty="0"/>
+          </a:p>
+        </p:txBody>
+      </p:sp>
+      <p:pic>
+        <p:nvPicPr>
+          <p:cNvPr id="8" name="Picture 7"/>
+          <p:cNvPicPr>
+            <a:picLocks noChangeAspect="1"/>
+          </p:cNvPicPr>
+          <p:nvPr/>
+        </p:nvPicPr>
+        <p:blipFill>
+          <a:blip r:embed="rId4"/>
+          <a:stretch>
+            <a:fillRect/>
+          </a:stretch>
+        </p:blipFill>
+        <p:spPr>
+          <a:xfrm>
+            <a:off x="1577632" y="4321396"/>
+            <a:ext cx="3086100" cy="596900"/>
+          </a:xfrm>
+          <a:prstGeom prst="rect">
+            <a:avLst/>
+          </a:prstGeom>
+        </p:spPr>
+      </p:pic>
+      <p:sp>
+        <p:nvSpPr>
+          <p:cNvPr id="9" name="TextBox 8"/>
+          <p:cNvSpPr txBox="1"/>
+          <p:nvPr/>
+        </p:nvSpPr>
+        <p:spPr>
+          <a:xfrm>
+            <a:off x="1951101" y="3737348"/>
+            <a:ext cx="2339162" cy="369332"/>
+          </a:xfrm>
+          <a:prstGeom prst="rect">
+            <a:avLst/>
+          </a:prstGeom>
+          <a:noFill/>
+        </p:spPr>
+        <p:txBody>
+          <a:bodyPr wrap="square" rtlCol="0">
+            <a:spAutoFit/>
+          </a:bodyPr>
+          <a:lstStyle/>
+          <a:p>
+            <a:r>
+              <a:rPr lang="en-US" smtClean="0"/>
+              <a:t>ZYX_HUMAN </a:t>
+            </a:r>
+            <a:endParaRPr lang="en-US"/>
+          </a:p>
+        </p:txBody>
+      </p:sp>
+      <p:sp>
+        <p:nvSpPr>
+          <p:cNvPr id="10" name="TextBox 9"/>
+          <p:cNvSpPr txBox="1"/>
+          <p:nvPr/>
+        </p:nvSpPr>
+        <p:spPr>
+          <a:xfrm>
+            <a:off x="7357730" y="3737348"/>
+            <a:ext cx="3149986" cy="369332"/>
+          </a:xfrm>
+          <a:prstGeom prst="rect">
+            <a:avLst/>
+          </a:prstGeom>
+          <a:noFill/>
+        </p:spPr>
+        <p:txBody>
+          <a:bodyPr wrap="square" rtlCol="0">
+            <a:spAutoFit/>
+          </a:bodyPr>
+          <a:lstStyle/>
+          <a:p>
+            <a:r>
+              <a:rPr lang="en-US" dirty="0" smtClean="0"/>
+              <a:t>Z02_HUMAN</a:t>
+            </a:r>
+            <a:endParaRPr lang="en-US" dirty="0"/>
+          </a:p>
+        </p:txBody>
+      </p:sp>
+      <p:pic>
+        <p:nvPicPr>
+          <p:cNvPr id="11" name="Picture 10"/>
+          <p:cNvPicPr>
+            <a:picLocks noChangeAspect="1"/>
+          </p:cNvPicPr>
+          <p:nvPr/>
+        </p:nvPicPr>
+        <p:blipFill>
+          <a:blip r:embed="rId5"/>
+          <a:stretch>
+            <a:fillRect/>
+          </a:stretch>
+        </p:blipFill>
+        <p:spPr>
+          <a:xfrm>
+            <a:off x="6761216" y="4207096"/>
+            <a:ext cx="3238500" cy="711200"/>
+          </a:xfrm>
+          <a:prstGeom prst="rect">
+            <a:avLst/>
+          </a:prstGeom>
+        </p:spPr>
+      </p:pic>
+      <p:sp>
+        <p:nvSpPr>
+          <p:cNvPr id="12" name="TextBox 11"/>
+          <p:cNvSpPr txBox="1"/>
+          <p:nvPr/>
+        </p:nvSpPr>
+        <p:spPr>
+          <a:xfrm>
+            <a:off x="2475939" y="5622038"/>
+            <a:ext cx="7523777" cy="369332"/>
+          </a:xfrm>
+          <a:prstGeom prst="rect">
+            <a:avLst/>
+          </a:prstGeom>
+          <a:noFill/>
+        </p:spPr>
+        <p:txBody>
+          <a:bodyPr wrap="square" rtlCol="0">
+            <a:spAutoFit/>
+          </a:bodyPr>
+          <a:lstStyle/>
+          <a:p>
+            <a:r>
+              <a:rPr lang="en-US" smtClean="0"/>
+              <a:t>Most consensus </a:t>
+            </a:r>
+            <a:r>
+              <a:rPr lang="en-US" dirty="0" smtClean="0"/>
+              <a:t>annotations struggle exceeding the accuracy of </a:t>
+            </a:r>
+            <a:r>
+              <a:rPr lang="en-US" smtClean="0"/>
+              <a:t>TMHMM alone </a:t>
+            </a:r>
+            <a:endParaRPr lang="en-US"/>
+          </a:p>
+        </p:txBody>
+      </p:sp>
+    </p:spTree>
+    <p:extLst>
+      <p:ext uri="{BB962C8B-B14F-4D97-AF65-F5344CB8AC3E}">
+        <p14:creationId xmlns:p14="http://schemas.microsoft.com/office/powerpoint/2010/main" val="1341242137"/>
+      </p:ext>
+    </p:extLst>
+  </p:cSld>
+  <p:clrMapOvr>
+    <a:masterClrMapping/>
+  </p:clrMapOvr>
+</p:sld>
+</file>
+
+<file path=ppt/slides/slide14.xml><?xml version="1.0" encoding="utf-8"?>
+<p:sld xmlns:a="http://schemas.openxmlformats.org/drawingml/2006/main" xmlns:r="http://schemas.openxmlformats.org/officeDocument/2006/relationships" xmlns:p="http://schemas.openxmlformats.org/presentationml/2006/main">
+  <p:cSld>
+    <p:spTree>
+      <p:nvGrpSpPr>
+        <p:cNvPr id="1" name=""/>
+        <p:cNvGrpSpPr/>
+        <p:nvPr/>
+      </p:nvGrpSpPr>
+      <p:grpSpPr>
+        <a:xfrm>
+          <a:off x="0" y="0"/>
+          <a:ext cx="0" cy="0"/>
+          <a:chOff x="0" y="0"/>
+          <a:chExt cx="0" cy="0"/>
+        </a:xfrm>
+      </p:grpSpPr>
+      <p:sp>
+        <p:nvSpPr>
+          <p:cNvPr id="2" name="Title 1"/>
+          <p:cNvSpPr>
+            <a:spLocks noGrp="1"/>
+          </p:cNvSpPr>
+          <p:nvPr>
+            <p:ph type="title"/>
+          </p:nvPr>
+        </p:nvSpPr>
+        <p:spPr/>
+        <p:txBody>
+          <a:bodyPr/>
+          <a:lstStyle/>
+          <a:p>
+            <a:pPr algn="ctr"/>
+            <a:r>
+              <a:rPr lang="en-US" dirty="0" smtClean="0"/>
+              <a:t>Filtering</a:t>
+            </a:r>
+            <a:endParaRPr lang="en-US" dirty="0"/>
+          </a:p>
+        </p:txBody>
+      </p:sp>
+      <p:sp>
+        <p:nvSpPr>
+          <p:cNvPr id="3" name="Content Placeholder 2"/>
+          <p:cNvSpPr>
+            <a:spLocks noGrp="1"/>
+          </p:cNvSpPr>
+          <p:nvPr>
+            <p:ph idx="1"/>
+          </p:nvPr>
+        </p:nvSpPr>
+        <p:spPr>
+          <a:xfrm>
+            <a:off x="1451579" y="1853754"/>
+            <a:ext cx="9603275" cy="2271679"/>
+          </a:xfrm>
+        </p:spPr>
+        <p:txBody>
+          <a:bodyPr>
+            <a:normAutofit fontScale="92500" lnSpcReduction="10000"/>
+          </a:bodyPr>
+          <a:lstStyle/>
+          <a:p>
+            <a:pPr fontAlgn="base"/>
+            <a:r>
+              <a:rPr lang="en-US" dirty="0">
+                <a:latin typeface="Times New Roman" charset="0"/>
+                <a:ea typeface="Times New Roman" charset="0"/>
+                <a:cs typeface="Times New Roman" charset="0"/>
+              </a:rPr>
+              <a:t>Using </a:t>
+            </a:r>
+            <a:r>
+              <a:rPr lang="en-US" dirty="0" err="1">
+                <a:latin typeface="Times New Roman" charset="0"/>
+                <a:ea typeface="Times New Roman" charset="0"/>
+                <a:cs typeface="Times New Roman" charset="0"/>
+              </a:rPr>
+              <a:t>Belvu</a:t>
+            </a:r>
+            <a:r>
+              <a:rPr lang="en-US" dirty="0">
+                <a:latin typeface="Times New Roman" charset="0"/>
+                <a:ea typeface="Times New Roman" charset="0"/>
+                <a:cs typeface="Times New Roman" charset="0"/>
+              </a:rPr>
+              <a:t> and an initial MAFFT alignment of Blast against NR hits I selected homologs at 30-40%, 40-70%, and &gt;70% identity to the target sequence (KCNA1_HUMAN</a:t>
+            </a:r>
+            <a:r>
+              <a:rPr lang="en-US" dirty="0" smtClean="0">
+                <a:latin typeface="Times New Roman" charset="0"/>
+                <a:ea typeface="Times New Roman" charset="0"/>
+                <a:cs typeface="Times New Roman" charset="0"/>
+              </a:rPr>
+              <a:t>)</a:t>
+            </a:r>
+          </a:p>
+          <a:p>
+            <a:pPr fontAlgn="base"/>
+            <a:r>
+              <a:rPr lang="en-US" dirty="0" smtClean="0">
+                <a:latin typeface="Times New Roman" charset="0"/>
+                <a:ea typeface="Times New Roman" charset="0"/>
+                <a:cs typeface="Times New Roman" charset="0"/>
+              </a:rPr>
+              <a:t>Drastically reduced accuracies</a:t>
+            </a:r>
+            <a:r>
+              <a:rPr lang="en-US" dirty="0" smtClean="0">
+                <a:latin typeface="Times New Roman" charset="0"/>
+                <a:ea typeface="Times New Roman" charset="0"/>
+                <a:cs typeface="Times New Roman" charset="0"/>
+                <a:sym typeface="Wingdings"/>
+              </a:rPr>
+              <a:t> Large number of sequences are needed to accurately make predictions</a:t>
+            </a:r>
+          </a:p>
+          <a:p>
+            <a:pPr fontAlgn="base"/>
+            <a:r>
+              <a:rPr lang="en-US" dirty="0" smtClean="0">
+                <a:latin typeface="Times New Roman" charset="0"/>
+                <a:ea typeface="Times New Roman" charset="0"/>
+                <a:cs typeface="Times New Roman" charset="0"/>
+                <a:sym typeface="Wingdings"/>
+              </a:rPr>
+              <a:t>Further efforts would try to find proteins with &gt;80 homologs at any given level of sequence divergence in order to avoid the sparsity generated with filtering.</a:t>
+            </a:r>
+            <a:endParaRPr lang="en-US" dirty="0">
+              <a:latin typeface="Times New Roman" charset="0"/>
+              <a:ea typeface="Times New Roman" charset="0"/>
+              <a:cs typeface="Times New Roman" charset="0"/>
+            </a:endParaRPr>
+          </a:p>
+          <a:p>
+            <a:endParaRPr lang="en-US" dirty="0">
+              <a:latin typeface="Times New Roman" charset="0"/>
+              <a:ea typeface="Times New Roman" charset="0"/>
+              <a:cs typeface="Times New Roman" charset="0"/>
+            </a:endParaRPr>
+          </a:p>
+        </p:txBody>
+      </p:sp>
+      <p:pic>
+        <p:nvPicPr>
+          <p:cNvPr id="4" name="Picture 3"/>
+          <p:cNvPicPr>
+            <a:picLocks noChangeAspect="1"/>
+          </p:cNvPicPr>
+          <p:nvPr/>
+        </p:nvPicPr>
+        <p:blipFill>
+          <a:blip r:embed="rId2"/>
+          <a:stretch>
+            <a:fillRect/>
+          </a:stretch>
+        </p:blipFill>
+        <p:spPr>
+          <a:xfrm>
+            <a:off x="6253216" y="4761918"/>
+            <a:ext cx="4635500" cy="825500"/>
+          </a:xfrm>
+          <a:prstGeom prst="rect">
+            <a:avLst/>
+          </a:prstGeom>
+        </p:spPr>
+      </p:pic>
+      <p:sp>
+        <p:nvSpPr>
+          <p:cNvPr id="5" name="TextBox 4"/>
+          <p:cNvSpPr txBox="1"/>
+          <p:nvPr/>
+        </p:nvSpPr>
+        <p:spPr>
+          <a:xfrm>
+            <a:off x="2955851" y="4990002"/>
+            <a:ext cx="3593805" cy="369332"/>
+          </a:xfrm>
+          <a:prstGeom prst="rect">
+            <a:avLst/>
+          </a:prstGeom>
+          <a:noFill/>
+        </p:spPr>
+        <p:txBody>
+          <a:bodyPr wrap="square" rtlCol="0">
+            <a:spAutoFit/>
+          </a:bodyPr>
+          <a:lstStyle/>
+          <a:p>
+            <a:r>
+              <a:rPr lang="en-US" dirty="0" smtClean="0"/>
+              <a:t>Accuracy drops to ~4%. </a:t>
+            </a:r>
+            <a:endParaRPr lang="en-US" dirty="0"/>
+          </a:p>
+        </p:txBody>
+      </p:sp>
+    </p:spTree>
+    <p:extLst>
+      <p:ext uri="{BB962C8B-B14F-4D97-AF65-F5344CB8AC3E}">
+        <p14:creationId xmlns:p14="http://schemas.microsoft.com/office/powerpoint/2010/main" val="1507670934"/>
+      </p:ext>
+    </p:extLst>
+  </p:cSld>
+  <p:clrMapOvr>
+    <a:masterClrMapping/>
+  </p:clrMapOvr>
+  <p:timing>
+    <p:tnLst>
+      <p:par>
+        <p:cTn id="1" dur="indefinite" restart="never" nodeType="tmRoot"/>
+      </p:par>
+    </p:tnLst>
+  </p:timing>
+</p:sld>
+</file>
+
+<file path=ppt/slides/slide15.xml><?xml version="1.0" encoding="utf-8"?>
+<p:sld xmlns:a="http://schemas.openxmlformats.org/drawingml/2006/main" xmlns:r="http://schemas.openxmlformats.org/officeDocument/2006/relationships" xmlns:p="http://schemas.openxmlformats.org/presentationml/2006/main">
+  <p:cSld>
+    <p:spTree>
+      <p:nvGrpSpPr>
+        <p:cNvPr id="1" name=""/>
+        <p:cNvGrpSpPr/>
+        <p:nvPr/>
+      </p:nvGrpSpPr>
+      <p:grpSpPr>
+        <a:xfrm>
+          <a:off x="0" y="0"/>
+          <a:ext cx="0" cy="0"/>
+          <a:chOff x="0" y="0"/>
+          <a:chExt cx="0" cy="0"/>
+        </a:xfrm>
+      </p:grpSpPr>
+      <p:sp>
+        <p:nvSpPr>
+          <p:cNvPr id="2" name="Title 1"/>
+          <p:cNvSpPr>
+            <a:spLocks noGrp="1"/>
+          </p:cNvSpPr>
+          <p:nvPr>
+            <p:ph type="title"/>
+          </p:nvPr>
+        </p:nvSpPr>
+        <p:spPr/>
+        <p:txBody>
+          <a:bodyPr/>
+          <a:lstStyle/>
+          <a:p>
+            <a:pPr algn="ctr"/>
+            <a:r>
+              <a:rPr lang="en-US" dirty="0" smtClean="0"/>
+              <a:t>Difficulties</a:t>
+            </a:r>
+            <a:endParaRPr lang="en-US" dirty="0"/>
+          </a:p>
+        </p:txBody>
+      </p:sp>
+      <p:sp>
+        <p:nvSpPr>
+          <p:cNvPr id="3" name="Content Placeholder 2"/>
+          <p:cNvSpPr>
+            <a:spLocks noGrp="1"/>
+          </p:cNvSpPr>
+          <p:nvPr>
+            <p:ph idx="1"/>
+          </p:nvPr>
+        </p:nvSpPr>
+        <p:spPr>
+          <a:xfrm>
+            <a:off x="1451579" y="2015732"/>
+            <a:ext cx="9603275" cy="3903805"/>
+          </a:xfrm>
+        </p:spPr>
+        <p:txBody>
+          <a:bodyPr/>
+          <a:lstStyle/>
+          <a:p>
+            <a:r>
+              <a:rPr lang="en-US" dirty="0" smtClean="0"/>
+              <a:t>Determining Consensus Thresholds for Phylogenetic Tree Annotation Transfer </a:t>
+            </a:r>
+          </a:p>
+          <a:p>
+            <a:pPr lvl="1"/>
+            <a:r>
+              <a:rPr lang="en-US" dirty="0" smtClean="0"/>
+              <a:t>Varies depending on the topology of the tree </a:t>
+            </a:r>
+          </a:p>
+          <a:p>
+            <a:pPr lvl="2"/>
+            <a:r>
+              <a:rPr lang="en-US" dirty="0" smtClean="0"/>
+              <a:t>Number of sequences </a:t>
+            </a:r>
+          </a:p>
+          <a:p>
+            <a:pPr lvl="2"/>
+            <a:r>
+              <a:rPr lang="en-US" dirty="0" smtClean="0"/>
+              <a:t>Overall distance between sequences </a:t>
+            </a:r>
+          </a:p>
+          <a:p>
+            <a:pPr lvl="2"/>
+            <a:r>
+              <a:rPr lang="en-US" dirty="0" smtClean="0"/>
+              <a:t>This approach relied on a heuristic estimate (using the distance between sequences, but a more efficient mathematically based approach is required) </a:t>
+            </a:r>
+          </a:p>
+          <a:p>
+            <a:pPr lvl="1"/>
+            <a:r>
+              <a:rPr lang="en-US" dirty="0" smtClean="0"/>
+              <a:t>Tendency towards over-prediction </a:t>
+            </a:r>
+          </a:p>
+          <a:p>
+            <a:pPr lvl="2"/>
+            <a:r>
+              <a:rPr lang="en-US" dirty="0" smtClean="0"/>
+              <a:t>At low thresholds, almost every single amino acid is determined to be </a:t>
+            </a:r>
+          </a:p>
+        </p:txBody>
+      </p:sp>
+    </p:spTree>
+    <p:extLst>
+      <p:ext uri="{BB962C8B-B14F-4D97-AF65-F5344CB8AC3E}">
+        <p14:creationId xmlns:p14="http://schemas.microsoft.com/office/powerpoint/2010/main" val="1052913730"/>
+      </p:ext>
+    </p:extLst>
+  </p:cSld>
+  <p:clrMapOvr>
+    <a:masterClrMapping/>
+  </p:clrMapOvr>
+</p:sld>
+</file>
+
+<file path=ppt/slides/slide16.xml><?xml version="1.0" encoding="utf-8"?>
+<p:sld xmlns:a="http://schemas.openxmlformats.org/drawingml/2006/main" xmlns:r="http://schemas.openxmlformats.org/officeDocument/2006/relationships" xmlns:p="http://schemas.openxmlformats.org/presentationml/2006/main">
+  <p:cSld>
+    <p:spTree>
+      <p:nvGrpSpPr>
+        <p:cNvPr id="1" name=""/>
+        <p:cNvGrpSpPr/>
+        <p:nvPr/>
+      </p:nvGrpSpPr>
+      <p:grpSpPr>
+        <a:xfrm>
+          <a:off x="0" y="0"/>
+          <a:ext cx="0" cy="0"/>
+          <a:chOff x="0" y="0"/>
+          <a:chExt cx="0" cy="0"/>
+        </a:xfrm>
+      </p:grpSpPr>
+      <p:sp>
+        <p:nvSpPr>
+          <p:cNvPr id="2" name="Title 1"/>
+          <p:cNvSpPr>
+            <a:spLocks noGrp="1"/>
+          </p:cNvSpPr>
+          <p:nvPr>
+            <p:ph type="title"/>
+          </p:nvPr>
+        </p:nvSpPr>
+        <p:spPr/>
+        <p:txBody>
+          <a:bodyPr/>
+          <a:lstStyle/>
+          <a:p>
+            <a:pPr algn="ctr"/>
+            <a:r>
+              <a:rPr lang="en-US" dirty="0" smtClean="0"/>
+              <a:t>Windowing</a:t>
+            </a:r>
+            <a:endParaRPr lang="en-US" dirty="0"/>
+          </a:p>
+        </p:txBody>
+      </p:sp>
+      <p:sp>
+        <p:nvSpPr>
+          <p:cNvPr id="3" name="Content Placeholder 2"/>
+          <p:cNvSpPr>
+            <a:spLocks noGrp="1"/>
+          </p:cNvSpPr>
+          <p:nvPr>
+            <p:ph idx="1"/>
+          </p:nvPr>
+        </p:nvSpPr>
+        <p:spPr/>
+        <p:txBody>
+          <a:bodyPr>
+            <a:normAutofit fontScale="92500" lnSpcReduction="20000"/>
+          </a:bodyPr>
+          <a:lstStyle/>
+          <a:p>
+            <a:r>
+              <a:rPr lang="en-US" dirty="0"/>
+              <a:t>Windowing Approach</a:t>
+            </a:r>
+          </a:p>
+          <a:p>
+            <a:pPr lvl="1"/>
+            <a:r>
+              <a:rPr lang="en-US" dirty="0"/>
+              <a:t>Difficulties stemmed from </a:t>
+            </a:r>
+            <a:r>
+              <a:rPr lang="en-US" dirty="0" smtClean="0"/>
+              <a:t>weighting the probabilities of seeing sequences </a:t>
+            </a:r>
+          </a:p>
+          <a:p>
+            <a:r>
+              <a:rPr lang="en-US" dirty="0" smtClean="0"/>
+              <a:t>Naïve Approach (</a:t>
+            </a:r>
+            <a:r>
+              <a:rPr lang="en-US" dirty="0" err="1" smtClean="0"/>
+              <a:t>Main.py</a:t>
+            </a:r>
+            <a:r>
+              <a:rPr lang="en-US" dirty="0" smtClean="0"/>
+              <a:t> ~225) </a:t>
+            </a:r>
+          </a:p>
+          <a:p>
+            <a:pPr lvl="1"/>
+            <a:r>
+              <a:rPr lang="en-US" dirty="0" smtClean="0"/>
+              <a:t>Problem of Erasing data with each increasing window</a:t>
+            </a:r>
+          </a:p>
+          <a:p>
+            <a:r>
+              <a:rPr lang="en-US" dirty="0" smtClean="0"/>
+              <a:t>Approach: </a:t>
+            </a:r>
+          </a:p>
+          <a:p>
+            <a:pPr lvl="1"/>
+            <a:r>
+              <a:rPr lang="en-US" dirty="0" smtClean="0"/>
+              <a:t>Increase the weight of the Transmembrane segments</a:t>
+            </a:r>
+          </a:p>
+          <a:p>
+            <a:pPr lvl="1"/>
+            <a:r>
+              <a:rPr lang="en-US" dirty="0" smtClean="0"/>
+              <a:t>Creates a realm of similar issues </a:t>
+            </a:r>
+          </a:p>
+          <a:p>
+            <a:r>
+              <a:rPr lang="en-US" dirty="0" smtClean="0"/>
+              <a:t>Complex Approach (Attempted but not particularly effective) </a:t>
+            </a:r>
+          </a:p>
+          <a:p>
+            <a:pPr lvl="1"/>
+            <a:r>
+              <a:rPr lang="en-US" dirty="0" smtClean="0"/>
+              <a:t>Incorporated Evidence from nearby amino acids into probabilistic model  </a:t>
+            </a:r>
+          </a:p>
+          <a:p>
+            <a:pPr lvl="1"/>
+            <a:endParaRPr lang="en-US" dirty="0"/>
+          </a:p>
+        </p:txBody>
+      </p:sp>
+      <p:cxnSp>
+        <p:nvCxnSpPr>
+          <p:cNvPr id="8" name="Straight Arrow Connector 7"/>
+          <p:cNvCxnSpPr/>
+          <p:nvPr/>
+        </p:nvCxnSpPr>
+        <p:spPr>
+          <a:xfrm flipV="1">
+            <a:off x="8432423" y="3249229"/>
+            <a:ext cx="601120" cy="659670"/>
+          </a:xfrm>
+          <a:prstGeom prst="straightConnector1">
+            <a:avLst/>
+          </a:prstGeom>
+          <a:ln>
+            <a:tailEnd type="triangle"/>
+          </a:ln>
+        </p:spPr>
+        <p:style>
+          <a:lnRef idx="1">
+            <a:schemeClr val="accent1"/>
+          </a:lnRef>
+          <a:fillRef idx="0">
+            <a:schemeClr val="accent1"/>
+          </a:fillRef>
+          <a:effectRef idx="0">
+            <a:schemeClr val="accent1"/>
+          </a:effectRef>
+          <a:fontRef idx="minor">
+            <a:schemeClr val="tx1"/>
+          </a:fontRef>
+        </p:style>
+      </p:cxnSp>
+      <p:sp>
+        <p:nvSpPr>
+          <p:cNvPr id="9" name="Left Bracket 8"/>
+          <p:cNvSpPr/>
+          <p:nvPr/>
+        </p:nvSpPr>
+        <p:spPr>
+          <a:xfrm>
+            <a:off x="9008564" y="2823776"/>
+            <a:ext cx="256674" cy="609600"/>
+          </a:xfrm>
+          <a:prstGeom prst="leftBracket">
+            <a:avLst/>
+          </a:prstGeom>
+        </p:spPr>
+        <p:style>
+          <a:lnRef idx="1">
+            <a:schemeClr val="accent1"/>
+          </a:lnRef>
+          <a:fillRef idx="0">
+            <a:schemeClr val="accent1"/>
+          </a:fillRef>
+          <a:effectRef idx="0">
+            <a:schemeClr val="accent1"/>
+          </a:effectRef>
+          <a:fontRef idx="minor">
+            <a:schemeClr val="tx1"/>
+          </a:fontRef>
+        </p:style>
+        <p:txBody>
+          <a:bodyPr rtlCol="0" anchor="ctr"/>
+          <a:lstStyle/>
+          <a:p>
+            <a:pPr algn="ctr"/>
+            <a:endParaRPr lang="en-US"/>
+          </a:p>
+        </p:txBody>
+      </p:sp>
+      <p:grpSp>
+        <p:nvGrpSpPr>
+          <p:cNvPr id="14" name="Group 13"/>
+          <p:cNvGrpSpPr/>
+          <p:nvPr/>
+        </p:nvGrpSpPr>
+        <p:grpSpPr>
+          <a:xfrm>
+            <a:off x="7519736" y="3788247"/>
+            <a:ext cx="2574759" cy="729883"/>
+            <a:chOff x="5735052" y="2732856"/>
+            <a:chExt cx="2574759" cy="729883"/>
+          </a:xfrm>
+        </p:grpSpPr>
+        <p:sp>
+          <p:nvSpPr>
+            <p:cNvPr id="4" name="Left Bracket 3"/>
+            <p:cNvSpPr/>
+            <p:nvPr/>
+          </p:nvSpPr>
+          <p:spPr>
+            <a:xfrm>
+              <a:off x="5735052" y="2799530"/>
+              <a:ext cx="256674" cy="609600"/>
+            </a:xfrm>
+            <a:prstGeom prst="leftBracket">
+              <a:avLst/>
+            </a:prstGeom>
+          </p:spPr>
+          <p:style>
+            <a:lnRef idx="1">
+              <a:schemeClr val="accent1"/>
+            </a:lnRef>
+            <a:fillRef idx="0">
+              <a:schemeClr val="accent1"/>
+            </a:fillRef>
+            <a:effectRef idx="0">
+              <a:schemeClr val="accent1"/>
+            </a:effectRef>
+            <a:fontRef idx="minor">
+              <a:schemeClr val="tx1"/>
+            </a:fontRef>
+          </p:style>
+          <p:txBody>
+            <a:bodyPr rtlCol="0" anchor="ctr"/>
+            <a:lstStyle/>
+            <a:p>
+              <a:pPr algn="ctr"/>
+              <a:endParaRPr lang="en-US"/>
+            </a:p>
+          </p:txBody>
+        </p:sp>
+        <p:sp>
+          <p:nvSpPr>
+            <p:cNvPr id="5" name="TextBox 4"/>
+            <p:cNvSpPr txBox="1"/>
+            <p:nvPr/>
+          </p:nvSpPr>
+          <p:spPr>
+            <a:xfrm>
+              <a:off x="5806320" y="2973273"/>
+              <a:ext cx="2454443" cy="369332"/>
+            </a:xfrm>
+            <a:prstGeom prst="rect">
+              <a:avLst/>
+            </a:prstGeom>
+            <a:noFill/>
+          </p:spPr>
+          <p:txBody>
+            <a:bodyPr wrap="square" rtlCol="0">
+              <a:spAutoFit/>
+            </a:bodyPr>
+            <a:lstStyle/>
+            <a:p>
+              <a:r>
+                <a:rPr lang="en-US" dirty="0" smtClean="0"/>
+                <a:t>E E E E E H H H H I I I I </a:t>
+              </a:r>
+              <a:endParaRPr lang="en-US" dirty="0"/>
+            </a:p>
+          </p:txBody>
+        </p:sp>
+        <p:sp>
+          <p:nvSpPr>
+            <p:cNvPr id="6" name="Right Bracket 5"/>
+            <p:cNvSpPr/>
+            <p:nvPr/>
+          </p:nvSpPr>
+          <p:spPr>
+            <a:xfrm>
+              <a:off x="8133347" y="2853139"/>
+              <a:ext cx="176464" cy="609600"/>
+            </a:xfrm>
+            <a:prstGeom prst="rightBracket">
+              <a:avLst/>
+            </a:prstGeom>
+          </p:spPr>
+          <p:style>
+            <a:lnRef idx="1">
+              <a:schemeClr val="accent1"/>
+            </a:lnRef>
+            <a:fillRef idx="0">
+              <a:schemeClr val="accent1"/>
+            </a:fillRef>
+            <a:effectRef idx="0">
+              <a:schemeClr val="accent1"/>
+            </a:effectRef>
+            <a:fontRef idx="minor">
+              <a:schemeClr val="tx1"/>
+            </a:fontRef>
+          </p:style>
+          <p:txBody>
+            <a:bodyPr rtlCol="0" anchor="ctr"/>
+            <a:lstStyle/>
+            <a:p>
+              <a:pPr algn="ctr"/>
+              <a:endParaRPr lang="en-US"/>
+            </a:p>
+          </p:txBody>
+        </p:sp>
+        <p:sp>
+          <p:nvSpPr>
+            <p:cNvPr id="11" name="Left Brace 10"/>
+            <p:cNvSpPr/>
+            <p:nvPr/>
+          </p:nvSpPr>
+          <p:spPr>
+            <a:xfrm rot="5400000">
+              <a:off x="6226663" y="2369581"/>
+              <a:ext cx="389298" cy="1115847"/>
+            </a:xfrm>
+            <a:prstGeom prst="leftBrace">
+              <a:avLst/>
+            </a:prstGeom>
+            <a:ln>
+              <a:solidFill>
+                <a:schemeClr val="accent1"/>
+              </a:solidFill>
+            </a:ln>
+          </p:spPr>
+          <p:style>
+            <a:lnRef idx="1">
+              <a:schemeClr val="accent1"/>
+            </a:lnRef>
+            <a:fillRef idx="0">
+              <a:schemeClr val="accent1"/>
+            </a:fillRef>
+            <a:effectRef idx="0">
+              <a:schemeClr val="accent1"/>
+            </a:effectRef>
+            <a:fontRef idx="minor">
+              <a:schemeClr val="tx1"/>
+            </a:fontRef>
+          </p:style>
+          <p:txBody>
+            <a:bodyPr rtlCol="0" anchor="ctr"/>
+            <a:lstStyle/>
+            <a:p>
+              <a:pPr algn="ctr"/>
+              <a:endParaRPr lang="en-US"/>
+            </a:p>
+          </p:txBody>
+        </p:sp>
+      </p:grpSp>
+      <p:sp>
+        <p:nvSpPr>
+          <p:cNvPr id="12" name="TextBox 11"/>
+          <p:cNvSpPr txBox="1"/>
+          <p:nvPr/>
+        </p:nvSpPr>
+        <p:spPr>
+          <a:xfrm>
+            <a:off x="9047977" y="2927504"/>
+            <a:ext cx="2454443" cy="369332"/>
+          </a:xfrm>
+          <a:prstGeom prst="rect">
+            <a:avLst/>
+          </a:prstGeom>
+          <a:noFill/>
+        </p:spPr>
+        <p:txBody>
+          <a:bodyPr wrap="square" rtlCol="0">
+            <a:spAutoFit/>
+          </a:bodyPr>
+          <a:lstStyle/>
+          <a:p>
+            <a:r>
+              <a:rPr lang="en-US" dirty="0" smtClean="0"/>
+              <a:t>E E E E E E H H H I I I I </a:t>
+            </a:r>
+            <a:endParaRPr lang="en-US" dirty="0"/>
+          </a:p>
+        </p:txBody>
+      </p:sp>
+      <p:sp>
+        <p:nvSpPr>
+          <p:cNvPr id="13" name="Right Bracket 12"/>
+          <p:cNvSpPr/>
+          <p:nvPr/>
+        </p:nvSpPr>
+        <p:spPr>
+          <a:xfrm>
+            <a:off x="11215274" y="2775653"/>
+            <a:ext cx="176464" cy="609600"/>
+          </a:xfrm>
+          <a:prstGeom prst="rightBracket">
+            <a:avLst/>
+          </a:prstGeom>
+        </p:spPr>
+        <p:style>
+          <a:lnRef idx="1">
+            <a:schemeClr val="accent1"/>
+          </a:lnRef>
+          <a:fillRef idx="0">
+            <a:schemeClr val="accent1"/>
+          </a:fillRef>
+          <a:effectRef idx="0">
+            <a:schemeClr val="accent1"/>
+          </a:effectRef>
+          <a:fontRef idx="minor">
+            <a:schemeClr val="tx1"/>
+          </a:fontRef>
+        </p:style>
+        <p:txBody>
+          <a:bodyPr rtlCol="0" anchor="ctr"/>
+          <a:lstStyle/>
+          <a:p>
+            <a:pPr algn="ctr"/>
+            <a:endParaRPr lang="en-US"/>
+          </a:p>
+        </p:txBody>
+      </p:sp>
+      <p:sp>
+        <p:nvSpPr>
+          <p:cNvPr id="16" name="Left Brace 15"/>
+          <p:cNvSpPr/>
+          <p:nvPr/>
+        </p:nvSpPr>
+        <p:spPr>
+          <a:xfrm rot="5400000">
+            <a:off x="9404120" y="2389712"/>
+            <a:ext cx="423156" cy="957594"/>
+          </a:xfrm>
+          <a:prstGeom prst="leftBrace">
+            <a:avLst/>
+          </a:prstGeom>
+          <a:ln>
+            <a:solidFill>
+              <a:schemeClr val="accent1"/>
+            </a:solidFill>
+          </a:ln>
+        </p:spPr>
+        <p:style>
+          <a:lnRef idx="1">
+            <a:schemeClr val="accent1"/>
+          </a:lnRef>
+          <a:fillRef idx="0">
+            <a:schemeClr val="accent1"/>
+          </a:fillRef>
+          <a:effectRef idx="0">
+            <a:schemeClr val="accent1"/>
+          </a:effectRef>
+          <a:fontRef idx="minor">
+            <a:schemeClr val="tx1"/>
+          </a:fontRef>
+        </p:style>
+        <p:txBody>
+          <a:bodyPr rtlCol="0" anchor="ctr"/>
+          <a:lstStyle/>
+          <a:p>
+            <a:pPr algn="ctr"/>
+            <a:endParaRPr lang="en-US"/>
+          </a:p>
+        </p:txBody>
+      </p:sp>
+      <p:sp>
+        <p:nvSpPr>
+          <p:cNvPr id="17" name="TextBox 16"/>
+          <p:cNvSpPr txBox="1"/>
+          <p:nvPr/>
+        </p:nvSpPr>
+        <p:spPr>
+          <a:xfrm>
+            <a:off x="2277979" y="5351324"/>
+            <a:ext cx="5313025" cy="276999"/>
+          </a:xfrm>
+          <a:prstGeom prst="rect">
+            <a:avLst/>
+          </a:prstGeom>
+          <a:noFill/>
+        </p:spPr>
+        <p:txBody>
+          <a:bodyPr wrap="square" lIns="0" tIns="0" rIns="0" bIns="0" rtlCol="0">
+            <a:spAutoFit/>
+          </a:bodyPr>
+          <a:lstStyle/>
+          <a:p>
+            <a:r>
+              <a:rPr lang="en-US" dirty="0" smtClean="0"/>
+              <a:t>Weight Y</a:t>
+            </a:r>
+            <a:r>
+              <a:rPr lang="en-US" baseline="-25000" dirty="0" smtClean="0"/>
+              <a:t>i</a:t>
+            </a:r>
+            <a:r>
+              <a:rPr lang="en-US" dirty="0" smtClean="0"/>
+              <a:t>= a(</a:t>
+            </a:r>
+            <a:r>
+              <a:rPr lang="en-US" dirty="0" err="1" smtClean="0"/>
+              <a:t>y</a:t>
+            </a:r>
+            <a:r>
+              <a:rPr lang="en-US" baseline="-25000" dirty="0" err="1" smtClean="0"/>
+              <a:t>i</a:t>
+            </a:r>
+            <a:r>
+              <a:rPr lang="en-US" dirty="0" smtClean="0"/>
+              <a:t>) + b(y</a:t>
+            </a:r>
+            <a:r>
+              <a:rPr lang="en-US" baseline="-25000" dirty="0" smtClean="0"/>
+              <a:t>i</a:t>
+            </a:r>
+            <a:r>
+              <a:rPr lang="en-US" dirty="0" smtClean="0"/>
+              <a:t>-1) + c(Y</a:t>
+            </a:r>
+            <a:r>
+              <a:rPr lang="en-US" baseline="-25000" dirty="0" smtClean="0"/>
+              <a:t>i</a:t>
+            </a:r>
+            <a:r>
+              <a:rPr lang="en-US" dirty="0" smtClean="0"/>
+              <a:t> + 2) + d (Y</a:t>
+            </a:r>
+            <a:r>
+              <a:rPr lang="en-US" baseline="-25000" dirty="0" smtClean="0"/>
+              <a:t>i</a:t>
+            </a:r>
+            <a:r>
+              <a:rPr lang="en-US" dirty="0" smtClean="0"/>
+              <a:t> -2)  </a:t>
+            </a:r>
+            <a:endParaRPr lang="en-US" dirty="0"/>
+          </a:p>
+        </p:txBody>
+      </p:sp>
+    </p:spTree>
+    <p:extLst>
+      <p:ext uri="{BB962C8B-B14F-4D97-AF65-F5344CB8AC3E}">
+        <p14:creationId xmlns:p14="http://schemas.microsoft.com/office/powerpoint/2010/main" val="1061861075"/>
+      </p:ext>
+    </p:extLst>
+  </p:cSld>
+  <p:clrMapOvr>
+    <a:masterClrMapping/>
+  </p:clrMapOvr>
+</p:sld>
+</file>
+
+<file path=ppt/slides/slide17.xml><?xml version="1.0" encoding="utf-8"?>
+<p:sld xmlns:a="http://schemas.openxmlformats.org/drawingml/2006/main" xmlns:r="http://schemas.openxmlformats.org/officeDocument/2006/relationships" xmlns:p="http://schemas.openxmlformats.org/presentationml/2006/main">
+  <p:cSld>
+    <p:spTree>
+      <p:nvGrpSpPr>
+        <p:cNvPr id="1" name=""/>
+        <p:cNvGrpSpPr/>
+        <p:nvPr/>
+      </p:nvGrpSpPr>
+      <p:grpSpPr>
+        <a:xfrm>
+          <a:off x="0" y="0"/>
+          <a:ext cx="0" cy="0"/>
+          <a:chOff x="0" y="0"/>
+          <a:chExt cx="0" cy="0"/>
+        </a:xfrm>
+      </p:grpSpPr>
+      <p:sp>
+        <p:nvSpPr>
+          <p:cNvPr id="2" name="Title 1"/>
+          <p:cNvSpPr>
+            <a:spLocks noGrp="1"/>
+          </p:cNvSpPr>
+          <p:nvPr>
+            <p:ph type="title"/>
+          </p:nvPr>
+        </p:nvSpPr>
+        <p:spPr/>
+        <p:txBody>
+          <a:bodyPr/>
+          <a:lstStyle/>
+          <a:p>
+            <a:pPr algn="ctr"/>
+            <a:r>
+              <a:rPr lang="en-US" dirty="0" smtClean="0"/>
               <a:t>Implementation</a:t>
             </a:r>
             <a:endParaRPr lang="en-US" dirty="0"/>
@@ -11382,7 +13483,7 @@
 </p:sld>
 </file>
 
-<file path=ppt/slides/slide11.xml><?xml version="1.0" encoding="utf-8"?>
+<file path=ppt/slides/slide18.xml><?xml version="1.0" encoding="utf-8"?>
 <p:sld xmlns:a="http://schemas.openxmlformats.org/drawingml/2006/main" xmlns:r="http://schemas.openxmlformats.org/officeDocument/2006/relationships" xmlns:p="http://schemas.openxmlformats.org/presentationml/2006/main">
   <p:cSld>
     <p:spTree>
@@ -11440,7 +13541,9 @@
           </a:xfrm>
         </p:spPr>
         <p:txBody>
-          <a:bodyPr/>
+          <a:bodyPr>
+            <a:normAutofit fontScale="92500" lnSpcReduction="10000"/>
+          </a:bodyPr>
           <a:lstStyle/>
           <a:p>
             <a:r>
@@ -11480,13 +13583,45 @@
           <a:p>
             <a:pPr fontAlgn="base"/>
             <a:r>
-              <a:rPr lang="en-US" dirty="0">
+              <a:rPr lang="en-US" dirty="0" smtClean="0">
                 <a:latin typeface="Times New Roman" charset="0"/>
                 <a:ea typeface="Times New Roman" charset="0"/>
                 <a:cs typeface="Times New Roman" charset="0"/>
               </a:rPr>
-              <a:t>To be added </a:t>
-            </a:r>
+              <a:t>Potential Modifications</a:t>
+            </a:r>
+          </a:p>
+          <a:p>
+            <a:pPr lvl="1" fontAlgn="base"/>
+            <a:r>
+              <a:rPr lang="en-US" dirty="0" err="1" smtClean="0">
+                <a:latin typeface="Times New Roman" charset="0"/>
+                <a:ea typeface="Times New Roman" charset="0"/>
+                <a:cs typeface="Times New Roman" charset="0"/>
+              </a:rPr>
+              <a:t>Henikoff</a:t>
+            </a:r>
+            <a:r>
+              <a:rPr lang="en-US" dirty="0" smtClean="0">
+                <a:latin typeface="Times New Roman" charset="0"/>
+                <a:ea typeface="Times New Roman" charset="0"/>
+                <a:cs typeface="Times New Roman" charset="0"/>
+              </a:rPr>
+              <a:t> Sequence </a:t>
+            </a:r>
+            <a:r>
+              <a:rPr lang="en-US" smtClean="0">
+                <a:latin typeface="Times New Roman" charset="0"/>
+                <a:ea typeface="Times New Roman" charset="0"/>
+                <a:cs typeface="Times New Roman" charset="0"/>
+              </a:rPr>
+              <a:t>weighting procedure </a:t>
+            </a:r>
+            <a:endParaRPr lang="en-US" dirty="0">
+              <a:latin typeface="Times New Roman" charset="0"/>
+              <a:ea typeface="Times New Roman" charset="0"/>
+              <a:cs typeface="Times New Roman" charset="0"/>
+            </a:endParaRPr>
           </a:p>
           <a:p>
             <a:pPr lvl="1" fontAlgn="base"/>
@@ -11516,6 +13651,33 @@
                 <a:cs typeface="Times New Roman" charset="0"/>
               </a:rPr>
               <a:t>rather than solely relying on TMHMM </a:t>
+            </a:r>
+          </a:p>
+          <a:p>
+            <a:pPr lvl="1" fontAlgn="base"/>
+            <a:r>
+              <a:rPr lang="en-US" dirty="0" smtClean="0">
+                <a:latin typeface="Times New Roman" charset="0"/>
+                <a:ea typeface="Times New Roman" charset="0"/>
+                <a:cs typeface="Times New Roman" charset="0"/>
+              </a:rPr>
+              <a:t>After predictions are made re-evaluate regions of Transmembrane helices using amino acid characteristics (</a:t>
+            </a:r>
+            <a:r>
+              <a:rPr lang="en-US" dirty="0" err="1" smtClean="0">
+                <a:latin typeface="Times New Roman" charset="0"/>
+                <a:ea typeface="Times New Roman" charset="0"/>
+                <a:cs typeface="Times New Roman" charset="0"/>
+              </a:rPr>
+              <a:t>Eg</a:t>
+            </a:r>
+            <a:r>
+              <a:rPr lang="en-US" dirty="0" smtClean="0">
+                <a:latin typeface="Times New Roman" charset="0"/>
+                <a:ea typeface="Times New Roman" charset="0"/>
+                <a:cs typeface="Times New Roman" charset="0"/>
+              </a:rPr>
+              <a:t> hydrophobicity, secondary structure prediction)</a:t>
             </a:r>
             <a:endParaRPr lang="en-US" dirty="0">
               <a:latin typeface="Times New Roman" charset="0"/>
@@ -11595,7 +13757,15 @@
             <a:pPr algn="ctr"/>
             <a:r>
               <a:rPr lang="en-US" sz="4800" dirty="0"/>
-              <a:t>Project Overview </a:t>
+              <a:t>Project </a:t>
+            </a:r>
+            <a:r>
+              <a:rPr lang="en-US" sz="4800" dirty="0" smtClean="0"/>
+              <a:t>Overview/Aims </a:t>
+            </a:r>
+            <a:r>
+              <a:rPr lang="en-US" sz="4800" dirty="0"/>
+              <a:t/>
             </a:r>
             <a:br>
               <a:rPr lang="en-US" sz="4800" dirty="0"/>
@@ -11647,8 +13817,13 @@
             </a:pPr>
             <a:r>
               <a:rPr lang="en-US" sz="3600" dirty="0"/>
-              <a:t>This project seeks to use transmembrane helix information from homologous proteins to predict the membrane topology of a given protein</a:t>
-            </a:r>
+              <a:t>This project seeks to use transmembrane helix information from homologous proteins to predict the membrane topology of a given </a:t>
+            </a:r>
+            <a:r>
+              <a:rPr lang="en-US" sz="3600" dirty="0" smtClean="0"/>
+              <a:t>target protein</a:t>
+            </a:r>
+            <a:endParaRPr lang="en-US" sz="3600" dirty="0"/>
           </a:p>
           <a:p>
             <a:pPr marL="571500" indent="-571500" fontAlgn="base">
@@ -11851,7 +14026,7 @@
             <a:pPr lvl="1"/>
             <a:r>
               <a:rPr lang="en-US" sz="2900" dirty="0" smtClean="0"/>
-              <a:t>Annotate the sequence(I = intracellular, O = extracellular)</a:t>
+              <a:t>Annotate the sequence (Extracellular, Intracellular, or Helical) </a:t>
             </a:r>
           </a:p>
           <a:p>
@@ -11949,6 +14124,545 @@
               <a:t>Phylogenetic Tree Pipeline</a:t>
             </a:r>
             <a:endParaRPr lang="en-US" dirty="0"/>
+          </a:p>
+        </p:txBody>
+      </p:sp>
+      <p:pic>
+        <p:nvPicPr>
+          <p:cNvPr id="4" name="Picture 3"/>
+          <p:cNvPicPr>
+            <a:picLocks noChangeAspect="1"/>
+          </p:cNvPicPr>
+          <p:nvPr/>
+        </p:nvPicPr>
+        <p:blipFill>
+          <a:blip r:embed="rId2"/>
+          <a:stretch>
+            <a:fillRect/>
+          </a:stretch>
+        </p:blipFill>
+        <p:spPr>
+          <a:xfrm>
+            <a:off x="2070710" y="2064193"/>
+            <a:ext cx="3187700" cy="3835400"/>
+          </a:xfrm>
+          <a:prstGeom prst="rect">
+            <a:avLst/>
+          </a:prstGeom>
+        </p:spPr>
+      </p:pic>
+      <p:sp>
+        <p:nvSpPr>
+          <p:cNvPr id="5" name="TextBox 4"/>
+          <p:cNvSpPr txBox="1"/>
+          <p:nvPr/>
+        </p:nvSpPr>
+        <p:spPr>
+          <a:xfrm>
+            <a:off x="3891516" y="5188687"/>
+            <a:ext cx="1366894" cy="369332"/>
+          </a:xfrm>
+          <a:prstGeom prst="rect">
+            <a:avLst/>
+          </a:prstGeom>
+          <a:solidFill>
+            <a:schemeClr val="bg1"/>
+          </a:solidFill>
+          <a:ln>
+            <a:solidFill>
+              <a:schemeClr val="bg1"/>
+            </a:solidFill>
+          </a:ln>
+        </p:spPr>
+        <p:txBody>
+          <a:bodyPr wrap="square" rtlCol="0">
+            <a:spAutoFit/>
+          </a:bodyPr>
+          <a:lstStyle/>
+          <a:p>
+            <a:r>
+              <a:rPr lang="en-US" dirty="0" smtClean="0"/>
+              <a:t>Protein 1</a:t>
+            </a:r>
+            <a:endParaRPr lang="en-US" dirty="0"/>
+          </a:p>
+        </p:txBody>
+      </p:sp>
+      <p:sp>
+        <p:nvSpPr>
+          <p:cNvPr id="7" name="TextBox 6"/>
+          <p:cNvSpPr txBox="1"/>
+          <p:nvPr/>
+        </p:nvSpPr>
+        <p:spPr>
+          <a:xfrm>
+            <a:off x="3891516" y="4819355"/>
+            <a:ext cx="1366894" cy="369332"/>
+          </a:xfrm>
+          <a:prstGeom prst="rect">
+            <a:avLst/>
+          </a:prstGeom>
+          <a:solidFill>
+            <a:schemeClr val="bg1"/>
+          </a:solidFill>
+          <a:ln>
+            <a:solidFill>
+              <a:schemeClr val="bg1"/>
+            </a:solidFill>
+          </a:ln>
+        </p:spPr>
+        <p:txBody>
+          <a:bodyPr wrap="square" rtlCol="0">
+            <a:spAutoFit/>
+          </a:bodyPr>
+          <a:lstStyle/>
+          <a:p>
+            <a:r>
+              <a:rPr lang="en-US" dirty="0" smtClean="0"/>
+              <a:t>Protein 2</a:t>
+            </a:r>
+            <a:endParaRPr lang="en-US" dirty="0"/>
+          </a:p>
+        </p:txBody>
+      </p:sp>
+      <p:sp>
+        <p:nvSpPr>
+          <p:cNvPr id="8" name="TextBox 7"/>
+          <p:cNvSpPr txBox="1"/>
+          <p:nvPr/>
+        </p:nvSpPr>
+        <p:spPr>
+          <a:xfrm>
+            <a:off x="3891516" y="4450023"/>
+            <a:ext cx="1366894" cy="369332"/>
+          </a:xfrm>
+          <a:prstGeom prst="rect">
+            <a:avLst/>
+          </a:prstGeom>
+          <a:solidFill>
+            <a:schemeClr val="bg1"/>
+          </a:solidFill>
+          <a:ln>
+            <a:solidFill>
+              <a:schemeClr val="bg1"/>
+            </a:solidFill>
+          </a:ln>
+        </p:spPr>
+        <p:txBody>
+          <a:bodyPr wrap="square" rtlCol="0">
+            <a:spAutoFit/>
+          </a:bodyPr>
+          <a:lstStyle/>
+          <a:p>
+            <a:r>
+              <a:rPr lang="en-US" dirty="0" smtClean="0"/>
+              <a:t>Protein 3</a:t>
+            </a:r>
+            <a:endParaRPr lang="en-US" dirty="0"/>
+          </a:p>
+        </p:txBody>
+      </p:sp>
+      <p:sp>
+        <p:nvSpPr>
+          <p:cNvPr id="9" name="TextBox 8"/>
+          <p:cNvSpPr txBox="1"/>
+          <p:nvPr/>
+        </p:nvSpPr>
+        <p:spPr>
+          <a:xfrm>
+            <a:off x="3891516" y="4012148"/>
+            <a:ext cx="1366894" cy="369332"/>
+          </a:xfrm>
+          <a:prstGeom prst="rect">
+            <a:avLst/>
+          </a:prstGeom>
+          <a:solidFill>
+            <a:schemeClr val="bg1"/>
+          </a:solidFill>
+          <a:ln>
+            <a:solidFill>
+              <a:schemeClr val="bg1"/>
+            </a:solidFill>
+          </a:ln>
+        </p:spPr>
+        <p:txBody>
+          <a:bodyPr wrap="square" rtlCol="0">
+            <a:spAutoFit/>
+          </a:bodyPr>
+          <a:lstStyle/>
+          <a:p>
+            <a:r>
+              <a:rPr lang="en-US" dirty="0" smtClean="0"/>
+              <a:t>Protein 4</a:t>
+            </a:r>
+            <a:endParaRPr lang="en-US" dirty="0"/>
+          </a:p>
+        </p:txBody>
+      </p:sp>
+      <p:sp>
+        <p:nvSpPr>
+          <p:cNvPr id="10" name="TextBox 9"/>
+          <p:cNvSpPr txBox="1"/>
+          <p:nvPr/>
+        </p:nvSpPr>
+        <p:spPr>
+          <a:xfrm>
+            <a:off x="3891516" y="3623522"/>
+            <a:ext cx="1366894" cy="369332"/>
+          </a:xfrm>
+          <a:prstGeom prst="rect">
+            <a:avLst/>
+          </a:prstGeom>
+          <a:solidFill>
+            <a:schemeClr val="bg1"/>
+          </a:solidFill>
+          <a:ln>
+            <a:solidFill>
+              <a:schemeClr val="bg1"/>
+            </a:solidFill>
+          </a:ln>
+        </p:spPr>
+        <p:txBody>
+          <a:bodyPr wrap="square" rtlCol="0">
+            <a:spAutoFit/>
+          </a:bodyPr>
+          <a:lstStyle/>
+          <a:p>
+            <a:r>
+              <a:rPr lang="en-US" dirty="0" smtClean="0"/>
+              <a:t>Protein 5</a:t>
+            </a:r>
+            <a:endParaRPr lang="en-US" dirty="0"/>
+          </a:p>
+        </p:txBody>
+      </p:sp>
+      <p:sp>
+        <p:nvSpPr>
+          <p:cNvPr id="11" name="TextBox 10"/>
+          <p:cNvSpPr txBox="1"/>
+          <p:nvPr/>
+        </p:nvSpPr>
+        <p:spPr>
+          <a:xfrm>
+            <a:off x="3891516" y="3244833"/>
+            <a:ext cx="1366894" cy="369332"/>
+          </a:xfrm>
+          <a:prstGeom prst="rect">
+            <a:avLst/>
+          </a:prstGeom>
+          <a:solidFill>
+            <a:schemeClr val="bg1"/>
+          </a:solidFill>
+          <a:ln>
+            <a:solidFill>
+              <a:schemeClr val="bg1"/>
+            </a:solidFill>
+          </a:ln>
+        </p:spPr>
+        <p:txBody>
+          <a:bodyPr wrap="square" rtlCol="0">
+            <a:spAutoFit/>
+          </a:bodyPr>
+          <a:lstStyle/>
+          <a:p>
+            <a:r>
+              <a:rPr lang="en-US" dirty="0" smtClean="0"/>
+              <a:t>Protein 6</a:t>
+            </a:r>
+            <a:endParaRPr lang="en-US" dirty="0"/>
+          </a:p>
+        </p:txBody>
+      </p:sp>
+      <p:sp>
+        <p:nvSpPr>
+          <p:cNvPr id="12" name="TextBox 11"/>
+          <p:cNvSpPr txBox="1"/>
+          <p:nvPr/>
+        </p:nvSpPr>
+        <p:spPr>
+          <a:xfrm>
+            <a:off x="3891516" y="2841230"/>
+            <a:ext cx="1366894" cy="369332"/>
+          </a:xfrm>
+          <a:prstGeom prst="rect">
+            <a:avLst/>
+          </a:prstGeom>
+          <a:solidFill>
+            <a:schemeClr val="bg1"/>
+          </a:solidFill>
+          <a:ln>
+            <a:solidFill>
+              <a:schemeClr val="bg1"/>
+            </a:solidFill>
+          </a:ln>
+        </p:spPr>
+        <p:txBody>
+          <a:bodyPr wrap="square" rtlCol="0">
+            <a:spAutoFit/>
+          </a:bodyPr>
+          <a:lstStyle/>
+          <a:p>
+            <a:r>
+              <a:rPr lang="en-US" dirty="0" smtClean="0"/>
+              <a:t>Protein 7</a:t>
+            </a:r>
+            <a:endParaRPr lang="en-US" dirty="0"/>
+          </a:p>
+        </p:txBody>
+      </p:sp>
+      <p:sp>
+        <p:nvSpPr>
+          <p:cNvPr id="13" name="TextBox 12"/>
+          <p:cNvSpPr txBox="1"/>
+          <p:nvPr/>
+        </p:nvSpPr>
+        <p:spPr>
+          <a:xfrm>
+            <a:off x="3891516" y="2395538"/>
+            <a:ext cx="1366894" cy="369332"/>
+          </a:xfrm>
+          <a:prstGeom prst="rect">
+            <a:avLst/>
+          </a:prstGeom>
+          <a:solidFill>
+            <a:schemeClr val="bg1"/>
+          </a:solidFill>
+          <a:ln>
+            <a:solidFill>
+              <a:schemeClr val="bg1"/>
+            </a:solidFill>
+          </a:ln>
+        </p:spPr>
+        <p:txBody>
+          <a:bodyPr wrap="square" rtlCol="0">
+            <a:spAutoFit/>
+          </a:bodyPr>
+          <a:lstStyle/>
+          <a:p>
+            <a:r>
+              <a:rPr lang="en-US" dirty="0" smtClean="0"/>
+              <a:t>Protein 8</a:t>
+            </a:r>
+            <a:endParaRPr lang="en-US" dirty="0"/>
+          </a:p>
+        </p:txBody>
+      </p:sp>
+      <p:sp>
+        <p:nvSpPr>
+          <p:cNvPr id="14" name="TextBox 13"/>
+          <p:cNvSpPr txBox="1"/>
+          <p:nvPr/>
+        </p:nvSpPr>
+        <p:spPr>
+          <a:xfrm>
+            <a:off x="3891516" y="2080203"/>
+            <a:ext cx="1366894" cy="369332"/>
+          </a:xfrm>
+          <a:prstGeom prst="rect">
+            <a:avLst/>
+          </a:prstGeom>
+          <a:solidFill>
+            <a:schemeClr val="bg1"/>
+          </a:solidFill>
+          <a:ln>
+            <a:solidFill>
+              <a:schemeClr val="bg1"/>
+            </a:solidFill>
+          </a:ln>
+        </p:spPr>
+        <p:txBody>
+          <a:bodyPr wrap="square" rtlCol="0">
+            <a:spAutoFit/>
+          </a:bodyPr>
+          <a:lstStyle/>
+          <a:p>
+            <a:r>
+              <a:rPr lang="en-US" dirty="0" smtClean="0"/>
+              <a:t>Protein 9</a:t>
+            </a:r>
+            <a:endParaRPr lang="en-US" dirty="0"/>
+          </a:p>
+        </p:txBody>
+      </p:sp>
+      <p:sp>
+        <p:nvSpPr>
+          <p:cNvPr id="15" name="TextBox 14"/>
+          <p:cNvSpPr txBox="1"/>
+          <p:nvPr/>
+        </p:nvSpPr>
+        <p:spPr>
+          <a:xfrm>
+            <a:off x="7510445" y="2064193"/>
+            <a:ext cx="4307830" cy="2308324"/>
+          </a:xfrm>
+          <a:prstGeom prst="rect">
+            <a:avLst/>
+          </a:prstGeom>
+          <a:noFill/>
+        </p:spPr>
+        <p:txBody>
+          <a:bodyPr wrap="square" rtlCol="0">
+            <a:spAutoFit/>
+          </a:bodyPr>
+          <a:lstStyle/>
+          <a:p>
+            <a:r>
+              <a:rPr lang="en-US" b="1" dirty="0" smtClean="0"/>
+              <a:t>Figure 3: </a:t>
+            </a:r>
+          </a:p>
+          <a:p>
+            <a:r>
+              <a:rPr lang="en-US" dirty="0" smtClean="0"/>
+              <a:t>This figure illustrates the fundamental assumption of the sequence weighting model. Sequences with less evolutionary distance should have greater similarity and this have more closely related membrane topologies. </a:t>
+            </a:r>
+          </a:p>
+          <a:p>
+            <a:pPr marL="285750" indent="-285750">
+              <a:buFont typeface="Arial" charset="0"/>
+              <a:buChar char="•"/>
+            </a:pPr>
+            <a:endParaRPr lang="en-US" dirty="0"/>
+          </a:p>
+        </p:txBody>
+      </p:sp>
+      <p:sp>
+        <p:nvSpPr>
+          <p:cNvPr id="16" name="Right Brace 15"/>
+          <p:cNvSpPr/>
+          <p:nvPr/>
+        </p:nvSpPr>
+        <p:spPr>
+          <a:xfrm>
+            <a:off x="4827181" y="4012148"/>
+            <a:ext cx="431229" cy="1176539"/>
+          </a:xfrm>
+          <a:prstGeom prst="rightBrace">
+            <a:avLst/>
+          </a:prstGeom>
+        </p:spPr>
+        <p:style>
+          <a:lnRef idx="1">
+            <a:schemeClr val="accent1"/>
+          </a:lnRef>
+          <a:fillRef idx="0">
+            <a:schemeClr val="accent1"/>
+          </a:fillRef>
+          <a:effectRef idx="0">
+            <a:schemeClr val="accent1"/>
+          </a:effectRef>
+          <a:fontRef idx="minor">
+            <a:schemeClr val="tx1"/>
+          </a:fontRef>
+        </p:style>
+        <p:txBody>
+          <a:bodyPr rtlCol="0" anchor="ctr"/>
+          <a:lstStyle/>
+          <a:p>
+            <a:pPr algn="ctr"/>
+            <a:endParaRPr lang="en-US"/>
+          </a:p>
+        </p:txBody>
+      </p:sp>
+      <p:sp>
+        <p:nvSpPr>
+          <p:cNvPr id="17" name="TextBox 16"/>
+          <p:cNvSpPr txBox="1"/>
+          <p:nvPr/>
+        </p:nvSpPr>
+        <p:spPr>
+          <a:xfrm>
+            <a:off x="5486400" y="4381480"/>
+            <a:ext cx="1318437" cy="1200329"/>
+          </a:xfrm>
+          <a:prstGeom prst="rect">
+            <a:avLst/>
+          </a:prstGeom>
+          <a:noFill/>
+        </p:spPr>
+        <p:txBody>
+          <a:bodyPr wrap="square" rtlCol="0">
+            <a:spAutoFit/>
+          </a:bodyPr>
+          <a:lstStyle/>
+          <a:p>
+            <a:r>
+              <a:rPr lang="en-US" dirty="0" smtClean="0"/>
+              <a:t>Greater Weights, far more important</a:t>
+            </a:r>
+            <a:endParaRPr lang="en-US" dirty="0"/>
+          </a:p>
+        </p:txBody>
+      </p:sp>
+      <p:sp>
+        <p:nvSpPr>
+          <p:cNvPr id="18" name="Right Brace 17"/>
+          <p:cNvSpPr/>
+          <p:nvPr/>
+        </p:nvSpPr>
+        <p:spPr>
+          <a:xfrm>
+            <a:off x="4827181" y="2080203"/>
+            <a:ext cx="431229" cy="630321"/>
+          </a:xfrm>
+          <a:prstGeom prst="rightBrace">
+            <a:avLst/>
+          </a:prstGeom>
+        </p:spPr>
+        <p:style>
+          <a:lnRef idx="1">
+            <a:schemeClr val="accent1"/>
+          </a:lnRef>
+          <a:fillRef idx="0">
+            <a:schemeClr val="accent1"/>
+          </a:fillRef>
+          <a:effectRef idx="0">
+            <a:schemeClr val="accent1"/>
+          </a:effectRef>
+          <a:fontRef idx="minor">
+            <a:schemeClr val="tx1"/>
+          </a:fontRef>
+        </p:style>
+        <p:txBody>
+          <a:bodyPr rtlCol="0" anchor="ctr"/>
+          <a:lstStyle/>
+          <a:p>
+            <a:pPr algn="ctr"/>
+            <a:endParaRPr lang="en-US"/>
+          </a:p>
+        </p:txBody>
+      </p:sp>
+      <p:sp>
+        <p:nvSpPr>
+          <p:cNvPr id="19" name="TextBox 18"/>
+          <p:cNvSpPr txBox="1"/>
+          <p:nvPr/>
+        </p:nvSpPr>
+        <p:spPr>
+          <a:xfrm>
+            <a:off x="5258409" y="2064193"/>
+            <a:ext cx="2252035" cy="923330"/>
+          </a:xfrm>
+          <a:prstGeom prst="rect">
+            <a:avLst/>
+          </a:prstGeom>
+          <a:noFill/>
+        </p:spPr>
+        <p:txBody>
+          <a:bodyPr wrap="square" rtlCol="0">
+            <a:spAutoFit/>
+          </a:bodyPr>
+          <a:lstStyle/>
+          <a:p>
+            <a:r>
+              <a:rPr lang="en-US" dirty="0" smtClean="0"/>
+              <a:t>Lesser Weights: Less important </a:t>
+            </a:r>
+            <a:r>
+              <a:rPr lang="en-US" smtClean="0"/>
+              <a:t>in structure prediction</a:t>
+            </a:r>
+            <a:endParaRPr lang="en-US"/>
           </a:p>
         </p:txBody>
       </p:sp>
@@ -12020,7 +14734,7 @@
           <p:nvPr>
             <p:extLst>
               <p:ext uri="{D42A27DB-BD31-4B8C-83A1-F6EECF244321}">
-                <p14:modId xmlns:p14="http://schemas.microsoft.com/office/powerpoint/2010/main" val="23001558"/>
+                <p14:modId xmlns:p14="http://schemas.microsoft.com/office/powerpoint/2010/main" val="2039776440"/>
               </p:ext>
             </p:extLst>
           </p:nvPr>
@@ -12230,8 +14944,8 @@
         </p:nvSpPr>
         <p:spPr>
           <a:xfrm>
-            <a:off x="3941214" y="5569587"/>
-            <a:ext cx="1591734" cy="369332"/>
+            <a:off x="3201319" y="5103674"/>
+            <a:ext cx="2347151" cy="1754326"/>
           </a:xfrm>
           <a:prstGeom prst="rect">
             <a:avLst/>
@@ -12245,12 +14959,44 @@
           <a:lstStyle/>
           <a:p>
             <a:r>
+              <a:rPr lang="en-US" b="1" dirty="0" smtClean="0"/>
+              <a:t>TRIMAL </a:t>
+            </a:r>
+          </a:p>
+          <a:p>
+            <a:r>
+              <a:rPr lang="en-US" b="1" dirty="0" smtClean="0"/>
+              <a:t>Remove </a:t>
+            </a:r>
+            <a:r>
               <a:rPr lang="en-US" b="1" dirty="0" err="1" smtClean="0"/>
-              <a:t>Mask_msa</a:t>
+              <a:t>Gappy</a:t>
             </a:r>
             <a:r>
               <a:rPr lang="en-US" b="1" dirty="0" smtClean="0"/>
-              <a:t>()</a:t>
+              <a:t> sequences (&gt;50%)</a:t>
+            </a:r>
+          </a:p>
+          <a:p>
+            <a:r>
+              <a:rPr lang="en-US" b="1" dirty="0" err="1" smtClean="0"/>
+              <a:t>Gappy</a:t>
+            </a:r>
+            <a:r>
+              <a:rPr lang="en-US" b="1" dirty="0"/>
+              <a:t> </a:t>
+            </a:r>
+            <a:r>
+              <a:rPr lang="en-US" b="1" dirty="0" smtClean="0"/>
+              <a:t>and low entropy columns (default </a:t>
+            </a:r>
+            <a:r>
+              <a:rPr lang="en-US" b="1" dirty="0" err="1" smtClean="0"/>
+              <a:t>params</a:t>
+            </a:r>
+            <a:r>
+              <a:rPr lang="en-US" b="1" dirty="0" smtClean="0"/>
+              <a:t>)   </a:t>
             </a:r>
             <a:endParaRPr lang="en-US" b="1" dirty="0"/>
           </a:p>
@@ -12714,6 +15460,59 @@
               <a:t>Consensus Transfer Procedure</a:t>
             </a:r>
             <a:endParaRPr lang="en-US" dirty="0"/>
+          </a:p>
+        </p:txBody>
+      </p:sp>
+      <p:pic>
+        <p:nvPicPr>
+          <p:cNvPr id="3" name="Picture 2"/>
+          <p:cNvPicPr>
+            <a:picLocks noChangeAspect="1"/>
+          </p:cNvPicPr>
+          <p:nvPr/>
+        </p:nvPicPr>
+        <p:blipFill>
+          <a:blip r:embed="rId2"/>
+          <a:stretch>
+            <a:fillRect/>
+          </a:stretch>
+        </p:blipFill>
+        <p:spPr>
+          <a:xfrm>
+            <a:off x="1384004" y="2159867"/>
+            <a:ext cx="3810000" cy="3175000"/>
+          </a:xfrm>
+          <a:prstGeom prst="rect">
+            <a:avLst/>
+          </a:prstGeom>
+        </p:spPr>
+      </p:pic>
+      <p:sp>
+        <p:nvSpPr>
+          <p:cNvPr id="4" name="TextBox 3"/>
+          <p:cNvSpPr txBox="1"/>
+          <p:nvPr/>
+        </p:nvSpPr>
+        <p:spPr>
+          <a:xfrm>
+            <a:off x="6762307" y="2011011"/>
+            <a:ext cx="3912781" cy="4031873"/>
+          </a:xfrm>
+          <a:prstGeom prst="rect">
+            <a:avLst/>
+          </a:prstGeom>
+          <a:noFill/>
+        </p:spPr>
+        <p:txBody>
+          <a:bodyPr wrap="square" rtlCol="0">
+            <a:spAutoFit/>
+          </a:bodyPr>
+          <a:lstStyle/>
+          <a:p>
+            <a:r>
+              <a:rPr lang="en-US" sz="3200" dirty="0" smtClean="0"/>
+              <a:t>Each Homolog is equally weighted. It is the consensus agreement of all the homologs that determines the TMH prediction for the target </a:t>
+            </a:r>
           </a:p>
         </p:txBody>
       </p:sp>
@@ -12785,7 +15584,7 @@
           <p:nvPr>
             <p:extLst>
               <p:ext uri="{D42A27DB-BD31-4B8C-83A1-F6EECF244321}">
-                <p14:modId xmlns:p14="http://schemas.microsoft.com/office/powerpoint/2010/main" val="1219489834"/>
+                <p14:modId xmlns:p14="http://schemas.microsoft.com/office/powerpoint/2010/main" val="1166470907"/>
               </p:ext>
             </p:extLst>
           </p:nvPr>
@@ -13478,6 +16277,140 @@
 </file>
 
 <file path=ppt/slides/slide8.xml><?xml version="1.0" encoding="utf-8"?>
+<p:sld xmlns:a="http://schemas.openxmlformats.org/drawingml/2006/main" xmlns:r="http://schemas.openxmlformats.org/officeDocument/2006/relationships" xmlns:p="http://schemas.openxmlformats.org/presentationml/2006/main">
+  <p:cSld>
+    <p:spTree>
+      <p:nvGrpSpPr>
+        <p:cNvPr id="1" name=""/>
+        <p:cNvGrpSpPr/>
+        <p:nvPr/>
+      </p:nvGrpSpPr>
+      <p:grpSpPr>
+        <a:xfrm>
+          <a:off x="0" y="0"/>
+          <a:ext cx="0" cy="0"/>
+          <a:chOff x="0" y="0"/>
+          <a:chExt cx="0" cy="0"/>
+        </a:xfrm>
+      </p:grpSpPr>
+      <p:sp>
+        <p:nvSpPr>
+          <p:cNvPr id="2" name="Title 1"/>
+          <p:cNvSpPr>
+            <a:spLocks noGrp="1"/>
+          </p:cNvSpPr>
+          <p:nvPr>
+            <p:ph type="title"/>
+          </p:nvPr>
+        </p:nvSpPr>
+        <p:spPr/>
+        <p:txBody>
+          <a:bodyPr/>
+          <a:lstStyle/>
+          <a:p>
+            <a:pPr algn="ctr"/>
+            <a:r>
+              <a:rPr lang="en-US" dirty="0" smtClean="0"/>
+              <a:t>Method Inputs</a:t>
+            </a:r>
+            <a:endParaRPr lang="en-US" dirty="0"/>
+          </a:p>
+        </p:txBody>
+      </p:sp>
+      <p:sp>
+        <p:nvSpPr>
+          <p:cNvPr id="3" name="Content Placeholder 2"/>
+          <p:cNvSpPr>
+            <a:spLocks noGrp="1"/>
+          </p:cNvSpPr>
+          <p:nvPr>
+            <p:ph idx="1"/>
+          </p:nvPr>
+        </p:nvSpPr>
+        <p:spPr/>
+        <p:txBody>
+          <a:bodyPr/>
+          <a:lstStyle/>
+          <a:p>
+            <a:r>
+              <a:rPr lang="en-US" dirty="0" smtClean="0"/>
+              <a:t>Functionality </a:t>
+            </a:r>
+          </a:p>
+          <a:p>
+            <a:pPr lvl="1"/>
+            <a:r>
+              <a:rPr lang="en-US" dirty="0" smtClean="0"/>
+              <a:t>Inputs: *  </a:t>
+            </a:r>
+          </a:p>
+          <a:p>
+            <a:pPr lvl="1"/>
+            <a:endParaRPr lang="en-US" dirty="0" smtClean="0"/>
+          </a:p>
+          <a:p>
+            <a:pPr lvl="1"/>
+            <a:endParaRPr lang="en-US" dirty="0" smtClean="0"/>
+          </a:p>
+          <a:p>
+            <a:pPr lvl="1"/>
+            <a:endParaRPr lang="en-US" dirty="0"/>
+          </a:p>
+          <a:p>
+            <a:pPr lvl="1"/>
+            <a:endParaRPr lang="en-US" dirty="0" smtClean="0"/>
+          </a:p>
+          <a:p>
+            <a:pPr lvl="1"/>
+            <a:endParaRPr lang="en-US" dirty="0"/>
+          </a:p>
+          <a:p>
+            <a:pPr lvl="1"/>
+            <a:r>
+              <a:rPr lang="en-US" dirty="0" smtClean="0"/>
+              <a:t>*TMHMM does not support most modern operating systems so this was manually collected</a:t>
+            </a:r>
+          </a:p>
+        </p:txBody>
+      </p:sp>
+      <p:pic>
+        <p:nvPicPr>
+          <p:cNvPr id="4" name="Picture 3"/>
+          <p:cNvPicPr>
+            <a:picLocks noChangeAspect="1"/>
+          </p:cNvPicPr>
+          <p:nvPr/>
+        </p:nvPicPr>
+        <p:blipFill>
+          <a:blip r:embed="rId2"/>
+          <a:stretch>
+            <a:fillRect/>
+          </a:stretch>
+        </p:blipFill>
+        <p:spPr>
+          <a:xfrm>
+            <a:off x="3344916" y="2896488"/>
+            <a:ext cx="5816600" cy="1689100"/>
+          </a:xfrm>
+          <a:prstGeom prst="rect">
+            <a:avLst/>
+          </a:prstGeom>
+        </p:spPr>
+      </p:pic>
+    </p:spTree>
+    <p:extLst>
+      <p:ext uri="{BB962C8B-B14F-4D97-AF65-F5344CB8AC3E}">
+        <p14:creationId xmlns:p14="http://schemas.microsoft.com/office/powerpoint/2010/main" val="2030035658"/>
+      </p:ext>
+    </p:extLst>
+  </p:cSld>
+  <p:clrMapOvr>
+    <a:masterClrMapping/>
+  </p:clrMapOvr>
+</p:sld>
+</file>
+
+<file path=ppt/slides/slide9.xml><?xml version="1.0" encoding="utf-8"?>
 <p:sld xmlns:a="http://schemas.openxmlformats.org/drawingml/2006/main" xmlns:r="http://schemas.openxmlformats.org/officeDocument/2006/relationships" xmlns:p="http://schemas.openxmlformats.org/presentationml/2006/main" showMasterSp="0">
   <p:cSld>
     <p:spTree>
@@ -13504,7 +16437,12 @@
             <p:ph type="title"/>
           </p:nvPr>
         </p:nvSpPr>
-        <p:spPr/>
+        <p:spPr>
+          <a:xfrm>
+            <a:off x="1454782" y="259495"/>
+            <a:ext cx="9603275" cy="1049235"/>
+          </a:xfrm>
+        </p:spPr>
         <p:txBody>
           <a:bodyPr/>
           <a:lstStyle/>
@@ -13564,7 +16502,7 @@
         </p:nvSpPr>
         <p:spPr>
           <a:xfrm>
-            <a:off x="6914147" y="1427748"/>
+            <a:off x="4672263" y="1427747"/>
             <a:ext cx="433137" cy="2101152"/>
           </a:xfrm>
           <a:prstGeom prst="rightBracket">
@@ -13602,7 +16540,7 @@
         </p:nvSpPr>
         <p:spPr>
           <a:xfrm>
-            <a:off x="1114925" y="1643439"/>
+            <a:off x="1148012" y="1600972"/>
             <a:ext cx="6015790" cy="369332"/>
           </a:xfrm>
           <a:prstGeom prst="rect">
@@ -13618,11 +16556,7 @@
           <a:p>
             <a:r>
               <a:rPr lang="en-US" dirty="0" smtClean="0"/>
-              <a:t>P A T C G - - - - - - L S S K G A F F Q Q F G S S A Q T F A </a:t>
-            </a:r>
-            <a:r>
-              <a:rPr lang="en-US" dirty="0" smtClean="0"/>
-              <a:t>S</a:t>
+              <a:t>MTVMSGENADEASTAPGHPQD</a:t>
             </a:r>
             <a:endParaRPr lang="en-US" dirty="0"/>
           </a:p>
@@ -13652,7 +16586,7 @@
           <a:p>
             <a:r>
               <a:rPr lang="en-US" dirty="0" smtClean="0"/>
-              <a:t>P A T C G - - - - - - L S S K G A F F Q Q F G S S A Q T F A S </a:t>
+              <a:t>P A T C G - - - - - - L S S K G A F  </a:t>
             </a:r>
             <a:endParaRPr lang="en-US" dirty="0"/>
           </a:p>
@@ -13682,7 +16616,7 @@
           <a:p>
             <a:r>
               <a:rPr lang="en-US" dirty="0" smtClean="0"/>
-              <a:t>P A T C G - - - - - - L S S K G A F F Q Q F G S S A Q T F A S </a:t>
+              <a:t>P A T C G - - - - - - L S S K G A F  </a:t>
             </a:r>
             <a:endParaRPr lang="en-US" dirty="0"/>
           </a:p>
@@ -13712,7 +16646,7 @@
           <a:p>
             <a:r>
               <a:rPr lang="en-US" dirty="0" smtClean="0"/>
-              <a:t>P A T C G - - - - - - L S S K G A F F Q Q F G S S A Q T F A S </a:t>
+              <a:t>P A T C G - - - - - - L S S K G A F </a:t>
             </a:r>
             <a:endParaRPr lang="en-US" dirty="0"/>
           </a:p>
@@ -13726,8 +16660,8 @@
         </p:nvCxnSpPr>
         <p:spPr>
           <a:xfrm>
-            <a:off x="7347286" y="1941098"/>
-            <a:ext cx="1427746" cy="1015071"/>
+            <a:off x="5105400" y="2439177"/>
+            <a:ext cx="3372853" cy="516992"/>
           </a:xfrm>
           <a:prstGeom prst="bentConnector3">
             <a:avLst>
@@ -13769,76 +16703,14 @@
         </p:blipFill>
         <p:spPr>
           <a:xfrm>
-            <a:off x="8901690" y="1337649"/>
-            <a:ext cx="2452110" cy="2498376"/>
+            <a:off x="8646695" y="1337649"/>
+            <a:ext cx="3253701" cy="4254130"/>
           </a:xfrm>
           <a:prstGeom prst="rect">
             <a:avLst/>
           </a:prstGeom>
         </p:spPr>
       </p:pic>
-      <p:sp>
-        <p:nvSpPr>
-          <p:cNvPr id="18" name="TextBox 17"/>
-          <p:cNvSpPr txBox="1"/>
-          <p:nvPr/>
-        </p:nvSpPr>
-        <p:spPr>
-          <a:xfrm>
-            <a:off x="8590548" y="4068215"/>
-            <a:ext cx="3192379" cy="1477328"/>
-          </a:xfrm>
-          <a:prstGeom prst="rect">
-            <a:avLst/>
-          </a:prstGeom>
-          <a:noFill/>
-        </p:spPr>
-        <p:txBody>
-          <a:bodyPr wrap="square" rtlCol="0">
-            <a:spAutoFit/>
-          </a:bodyPr>
-          <a:lstStyle/>
-          <a:p>
-            <a:r>
-              <a:rPr lang="en-US" dirty="0" smtClean="0"/>
-              <a:t>Current Annotations: </a:t>
-            </a:r>
-          </a:p>
-          <a:p>
-            <a:pPr marL="285750" indent="-285750">
-              <a:buFont typeface="Arial" charset="0"/>
-              <a:buChar char="•"/>
-            </a:pPr>
-            <a:r>
-              <a:rPr lang="en-US" dirty="0" err="1" smtClean="0"/>
-              <a:t>i</a:t>
-            </a:r>
-            <a:r>
-              <a:rPr lang="en-US" dirty="0" smtClean="0"/>
-              <a:t> - Helix from intracellular to extracellular space </a:t>
-            </a:r>
-          </a:p>
-          <a:p>
-            <a:pPr marL="285750" indent="-285750">
-              <a:buFont typeface="Arial" charset="0"/>
-              <a:buChar char="•"/>
-            </a:pPr>
-            <a:r>
-              <a:rPr lang="en-US" dirty="0" smtClean="0"/>
-              <a:t>o </a:t>
-            </a:r>
-            <a:r>
-              <a:rPr lang="mr-IN" dirty="0" smtClean="0"/>
-              <a:t>–</a:t>
-            </a:r>
-            <a:r>
-              <a:rPr lang="en-US" dirty="0" smtClean="0"/>
-              <a:t> Helix from extracellular to intracellular space</a:t>
-            </a:r>
-            <a:endParaRPr lang="en-US" dirty="0"/>
-          </a:p>
-        </p:txBody>
-      </p:sp>
       <p:sp>
         <p:nvSpPr>
           <p:cNvPr id="19" name="TextBox 18"/>
@@ -13881,7 +16753,7 @@
         </p:nvSpPr>
         <p:spPr>
           <a:xfrm>
-            <a:off x="1844843" y="3983800"/>
+            <a:off x="786064" y="3697120"/>
             <a:ext cx="3593431" cy="369332"/>
           </a:xfrm>
           <a:prstGeom prst="rect">
@@ -13897,8 +16769,8 @@
           <a:p>
             <a:pPr algn="ctr"/>
             <a:r>
-              <a:rPr lang="en-US" smtClean="0"/>
-              <a:t>Annotations</a:t>
+              <a:rPr lang="en-US" dirty="0" smtClean="0"/>
+              <a:t>Residue Object Annotations</a:t>
             </a:r>
           </a:p>
         </p:txBody>
@@ -13911,7 +16783,7 @@
         </p:nvSpPr>
         <p:spPr>
           <a:xfrm>
-            <a:off x="838200" y="4357554"/>
+            <a:off x="838200" y="4044626"/>
             <a:ext cx="324852" cy="2101151"/>
           </a:xfrm>
           <a:prstGeom prst="leftBracket">
@@ -13949,7 +16821,7 @@
         </p:nvSpPr>
         <p:spPr>
           <a:xfrm>
-            <a:off x="6256421" y="4353132"/>
+            <a:off x="3826043" y="4066452"/>
             <a:ext cx="433137" cy="2101152"/>
           </a:xfrm>
           <a:prstGeom prst="rightBracket">
@@ -13987,8 +16859,8 @@
         </p:nvSpPr>
         <p:spPr>
           <a:xfrm>
-            <a:off x="1163052" y="4491789"/>
-            <a:ext cx="5093369" cy="369332"/>
+            <a:off x="1153026" y="5354388"/>
+            <a:ext cx="3052012" cy="400110"/>
           </a:xfrm>
           <a:prstGeom prst="rect">
             <a:avLst/>
@@ -14002,27 +16874,79 @@
           <a:lstStyle/>
           <a:p>
             <a:r>
-              <a:rPr lang="en-US" dirty="0" smtClean="0"/>
-              <a:t>E E E E E E E E E E E H H H H H H H H I I I I I I I I I </a:t>
-            </a:r>
-            <a:r>
-              <a:rPr lang="en-US" dirty="0" smtClean="0"/>
+              <a:rPr lang="en-US" sz="2000" dirty="0" smtClean="0"/>
+              <a:t>E E E E E </a:t>
+            </a:r>
+            <a:r>
+              <a:rPr lang="en-US" sz="2000" dirty="0"/>
+              <a:t>H</a:t>
+            </a:r>
+            <a:r>
+              <a:rPr lang="en-US" sz="2000" dirty="0" smtClean="0"/>
               <a:t> </a:t>
             </a:r>
-            <a:endParaRPr lang="en-US" dirty="0"/>
+            <a:r>
+              <a:rPr lang="en-US" sz="2000" dirty="0"/>
+              <a:t>H</a:t>
+            </a:r>
+            <a:r>
+              <a:rPr lang="en-US" sz="2000" dirty="0" smtClean="0"/>
+              <a:t> </a:t>
+            </a:r>
+            <a:r>
+              <a:rPr lang="en-US" sz="2000" dirty="0"/>
+              <a:t>H</a:t>
+            </a:r>
+            <a:r>
+              <a:rPr lang="en-US" sz="2000" dirty="0" smtClean="0"/>
+              <a:t> </a:t>
+            </a:r>
+            <a:r>
+              <a:rPr lang="en-US" sz="2000" dirty="0"/>
+              <a:t>I</a:t>
+            </a:r>
+            <a:r>
+              <a:rPr lang="en-US" sz="2000" dirty="0" smtClean="0"/>
+              <a:t> I </a:t>
+            </a:r>
+            <a:r>
+              <a:rPr lang="en-US" sz="2000" dirty="0"/>
+              <a:t>I</a:t>
+            </a:r>
+            <a:r>
+              <a:rPr lang="en-US" sz="2000" dirty="0" smtClean="0"/>
+              <a:t> </a:t>
+            </a:r>
+            <a:r>
+              <a:rPr lang="en-US" sz="2000" dirty="0"/>
+              <a:t>I</a:t>
+            </a:r>
+            <a:r>
+              <a:rPr lang="en-US" sz="2000" dirty="0" smtClean="0"/>
+              <a:t> </a:t>
+            </a:r>
+            <a:r>
+              <a:rPr lang="en-US" sz="2000" dirty="0"/>
+              <a:t>I</a:t>
+            </a:r>
+            <a:r>
+              <a:rPr lang="en-US" sz="2000" dirty="0" smtClean="0"/>
+              <a:t>  </a:t>
+            </a:r>
+            <a:endParaRPr lang="en-US" sz="2000" dirty="0"/>
           </a:p>
         </p:txBody>
       </p:sp>
       <p:sp>
         <p:nvSpPr>
-          <p:cNvPr id="28" name="TextBox 27"/>
+          <p:cNvPr id="32" name="TextBox 31"/>
           <p:cNvSpPr txBox="1"/>
           <p:nvPr/>
         </p:nvSpPr>
         <p:spPr>
           <a:xfrm>
-            <a:off x="1142999" y="4861121"/>
-            <a:ext cx="5093369" cy="369332"/>
+            <a:off x="4758988" y="4354114"/>
+            <a:ext cx="3553327" cy="1200329"/>
           </a:xfrm>
           <a:prstGeom prst="rect">
             <a:avLst/>
@@ -14037,19 +16961,37 @@
           <a:p>
             <a:r>
               <a:rPr lang="en-US" dirty="0" smtClean="0"/>
-              <a:t>E E </a:t>
-            </a:r>
+              <a:t>Annotation:</a:t>
+            </a:r>
+          </a:p>
+          <a:p>
+            <a:pPr marL="285750" indent="-285750">
+              <a:buFontTx/>
+              <a:buChar char="-"/>
+            </a:pPr>
             <a:r>
               <a:rPr lang="en-US" dirty="0" smtClean="0"/>
-              <a:t>E E E </a:t>
-            </a:r>
+              <a:t>E= Extracellular</a:t>
+            </a:r>
+          </a:p>
+          <a:p>
+            <a:pPr marL="285750" indent="-285750">
+              <a:buFontTx/>
+              <a:buChar char="-"/>
+            </a:pPr>
             <a:r>
               <a:rPr lang="en-US" dirty="0" smtClean="0"/>
-              <a:t>E E E E E E E H H H H H H H H I I I I I I I I </a:t>
-            </a:r>
+              <a:t>I = Intracellular</a:t>
+            </a:r>
+          </a:p>
+          <a:p>
+            <a:pPr marL="285750" indent="-285750">
+              <a:buFontTx/>
+              <a:buChar char="-"/>
+            </a:pPr>
             <a:r>
               <a:rPr lang="en-US" dirty="0" smtClean="0"/>
-              <a:t> </a:t>
+              <a:t>H = Helical </a:t>
             </a:r>
             <a:endParaRPr lang="en-US" dirty="0"/>
           </a:p>
@@ -14057,14 +16999,14 @@
       </p:sp>
       <p:sp>
         <p:nvSpPr>
-          <p:cNvPr id="29" name="TextBox 28"/>
+          <p:cNvPr id="33" name="TextBox 32"/>
           <p:cNvSpPr txBox="1"/>
           <p:nvPr/>
         </p:nvSpPr>
         <p:spPr>
           <a:xfrm>
-            <a:off x="1122947" y="5222447"/>
-            <a:ext cx="5093369" cy="369332"/>
+            <a:off x="1169066" y="4671741"/>
+            <a:ext cx="2873545" cy="400110"/>
           </a:xfrm>
           <a:prstGeom prst="rect">
             <a:avLst/>
@@ -14078,27 +17020,79 @@
           <a:lstStyle/>
           <a:p>
             <a:r>
-              <a:rPr lang="en-US" dirty="0" smtClean="0"/>
-              <a:t>E E E E E E E E E E E H H H H H H H H I I I I I I I I I </a:t>
-            </a:r>
-            <a:r>
-              <a:rPr lang="en-US" dirty="0" smtClean="0"/>
+              <a:rPr lang="en-US" sz="2000" dirty="0" smtClean="0"/>
+              <a:t>E E E E E </a:t>
+            </a:r>
+            <a:r>
+              <a:rPr lang="en-US" sz="2000" dirty="0"/>
+              <a:t>H</a:t>
+            </a:r>
+            <a:r>
+              <a:rPr lang="en-US" sz="2000" dirty="0" smtClean="0"/>
               <a:t> </a:t>
             </a:r>
-            <a:endParaRPr lang="en-US" dirty="0"/>
+            <a:r>
+              <a:rPr lang="en-US" sz="2000" dirty="0"/>
+              <a:t>H</a:t>
+            </a:r>
+            <a:r>
+              <a:rPr lang="en-US" sz="2000" dirty="0" smtClean="0"/>
+              <a:t> </a:t>
+            </a:r>
+            <a:r>
+              <a:rPr lang="en-US" sz="2000" dirty="0"/>
+              <a:t>H</a:t>
+            </a:r>
+            <a:r>
+              <a:rPr lang="en-US" sz="2000" dirty="0" smtClean="0"/>
+              <a:t> </a:t>
+            </a:r>
+            <a:r>
+              <a:rPr lang="en-US" sz="2000" dirty="0"/>
+              <a:t>I</a:t>
+            </a:r>
+            <a:r>
+              <a:rPr lang="en-US" sz="2000" dirty="0" smtClean="0"/>
+              <a:t> I </a:t>
+            </a:r>
+            <a:r>
+              <a:rPr lang="en-US" sz="2000" dirty="0"/>
+              <a:t>I</a:t>
+            </a:r>
+            <a:r>
+              <a:rPr lang="en-US" sz="2000" dirty="0" smtClean="0"/>
+              <a:t> </a:t>
+            </a:r>
+            <a:r>
+              <a:rPr lang="en-US" sz="2000" dirty="0"/>
+              <a:t>I</a:t>
+            </a:r>
+            <a:r>
+              <a:rPr lang="en-US" sz="2000" dirty="0" smtClean="0"/>
+              <a:t> </a:t>
+            </a:r>
+            <a:r>
+              <a:rPr lang="en-US" sz="2000" dirty="0"/>
+              <a:t>I</a:t>
+            </a:r>
+            <a:r>
+              <a:rPr lang="en-US" sz="2000" dirty="0" smtClean="0"/>
+              <a:t>  </a:t>
+            </a:r>
+            <a:endParaRPr lang="en-US" sz="2000" dirty="0"/>
           </a:p>
         </p:txBody>
       </p:sp>
       <p:sp>
         <p:nvSpPr>
-          <p:cNvPr id="30" name="TextBox 29"/>
+          <p:cNvPr id="34" name="TextBox 33"/>
           <p:cNvSpPr txBox="1"/>
           <p:nvPr/>
         </p:nvSpPr>
         <p:spPr>
           <a:xfrm>
-            <a:off x="1163051" y="5591779"/>
-            <a:ext cx="5093369" cy="369332"/>
+            <a:off x="1153026" y="5061496"/>
+            <a:ext cx="2889585" cy="400110"/>
           </a:xfrm>
           <a:prstGeom prst="rect">
             <a:avLst/>
@@ -14112,27 +17106,79 @@
           <a:lstStyle/>
           <a:p>
             <a:r>
-              <a:rPr lang="en-US" dirty="0" smtClean="0"/>
-              <a:t>E E E E E E E E E E E H H H H H H H H I I I I I I I I I </a:t>
-            </a:r>
-            <a:r>
-              <a:rPr lang="en-US" dirty="0" smtClean="0"/>
+              <a:rPr lang="en-US" sz="2000" dirty="0" smtClean="0"/>
+              <a:t>E E E E E </a:t>
+            </a:r>
+            <a:r>
+              <a:rPr lang="en-US" sz="2000" dirty="0"/>
+              <a:t>H</a:t>
+            </a:r>
+            <a:r>
+              <a:rPr lang="en-US" sz="2000" dirty="0" smtClean="0"/>
               <a:t> </a:t>
             </a:r>
-            <a:endParaRPr lang="en-US" dirty="0"/>
+            <a:r>
+              <a:rPr lang="en-US" sz="2000" dirty="0"/>
+              <a:t>H</a:t>
+            </a:r>
+            <a:r>
+              <a:rPr lang="en-US" sz="2000" dirty="0" smtClean="0"/>
+              <a:t> </a:t>
+            </a:r>
+            <a:r>
+              <a:rPr lang="en-US" sz="2000" dirty="0"/>
+              <a:t>H</a:t>
+            </a:r>
+            <a:r>
+              <a:rPr lang="en-US" sz="2000" dirty="0" smtClean="0"/>
+              <a:t> </a:t>
+            </a:r>
+            <a:r>
+              <a:rPr lang="en-US" sz="2000" dirty="0"/>
+              <a:t>I</a:t>
+            </a:r>
+            <a:r>
+              <a:rPr lang="en-US" sz="2000" dirty="0" smtClean="0"/>
+              <a:t> I </a:t>
+            </a:r>
+            <a:r>
+              <a:rPr lang="en-US" sz="2000" dirty="0"/>
+              <a:t>I</a:t>
+            </a:r>
+            <a:r>
+              <a:rPr lang="en-US" sz="2000" dirty="0" smtClean="0"/>
+              <a:t> </a:t>
+            </a:r>
+            <a:r>
+              <a:rPr lang="en-US" sz="2000" dirty="0"/>
+              <a:t>I</a:t>
+            </a:r>
+            <a:r>
+              <a:rPr lang="en-US" sz="2000" dirty="0" smtClean="0"/>
+              <a:t> </a:t>
+            </a:r>
+            <a:r>
+              <a:rPr lang="en-US" sz="2000" dirty="0"/>
+              <a:t>I</a:t>
+            </a:r>
+            <a:r>
+              <a:rPr lang="en-US" sz="2000" dirty="0" smtClean="0"/>
+              <a:t>  </a:t>
+            </a:r>
+            <a:endParaRPr lang="en-US" sz="2000" dirty="0"/>
           </a:p>
         </p:txBody>
       </p:sp>
       <p:sp>
         <p:nvSpPr>
-          <p:cNvPr id="31" name="TextBox 30"/>
+          <p:cNvPr id="35" name="TextBox 34"/>
           <p:cNvSpPr txBox="1"/>
           <p:nvPr/>
         </p:nvSpPr>
         <p:spPr>
           <a:xfrm>
-            <a:off x="1122947" y="5961111"/>
-            <a:ext cx="5093369" cy="369332"/>
+            <a:off x="1163051" y="4199867"/>
+            <a:ext cx="3550319" cy="399802"/>
           </a:xfrm>
           <a:prstGeom prst="rect">
             <a:avLst/>
@@ -14146,27 +17192,79 @@
           <a:lstStyle/>
           <a:p>
             <a:r>
-              <a:rPr lang="en-US" smtClean="0"/>
-              <a:t>E E E E E E E E E E E H H H H H H H H I I I I I I I I I </a:t>
-            </a:r>
-            <a:r>
-              <a:rPr lang="en-US" smtClean="0"/>
+              <a:rPr lang="en-US" sz="2000" dirty="0" smtClean="0"/>
+              <a:t>E E E E E </a:t>
+            </a:r>
+            <a:r>
+              <a:rPr lang="en-US" sz="2000" dirty="0"/>
+              <a:t>H</a:t>
+            </a:r>
+            <a:r>
+              <a:rPr lang="en-US" sz="2000" dirty="0" smtClean="0"/>
               <a:t> </a:t>
             </a:r>
-            <a:endParaRPr lang="en-US"/>
+            <a:r>
+              <a:rPr lang="en-US" sz="2000" dirty="0"/>
+              <a:t>H</a:t>
+            </a:r>
+            <a:r>
+              <a:rPr lang="en-US" sz="2000" dirty="0" smtClean="0"/>
+              <a:t> </a:t>
+            </a:r>
+            <a:r>
+              <a:rPr lang="en-US" sz="2000" dirty="0"/>
+              <a:t>H</a:t>
+            </a:r>
+            <a:r>
+              <a:rPr lang="en-US" sz="2000" dirty="0" smtClean="0"/>
+              <a:t> </a:t>
+            </a:r>
+            <a:r>
+              <a:rPr lang="en-US" sz="2000" dirty="0"/>
+              <a:t>I</a:t>
+            </a:r>
+            <a:r>
+              <a:rPr lang="en-US" sz="2000" dirty="0" smtClean="0"/>
+              <a:t> I </a:t>
+            </a:r>
+            <a:r>
+              <a:rPr lang="en-US" sz="2000" dirty="0"/>
+              <a:t>I</a:t>
+            </a:r>
+            <a:r>
+              <a:rPr lang="en-US" sz="2000" dirty="0" smtClean="0"/>
+              <a:t> </a:t>
+            </a:r>
+            <a:r>
+              <a:rPr lang="en-US" sz="2000" dirty="0"/>
+              <a:t>I</a:t>
+            </a:r>
+            <a:r>
+              <a:rPr lang="en-US" sz="2000" dirty="0" smtClean="0"/>
+              <a:t> </a:t>
+            </a:r>
+            <a:r>
+              <a:rPr lang="en-US" sz="2000" dirty="0"/>
+              <a:t>I</a:t>
+            </a:r>
+            <a:r>
+              <a:rPr lang="en-US" sz="2000" dirty="0" smtClean="0"/>
+              <a:t>  </a:t>
+            </a:r>
+            <a:endParaRPr lang="en-US" sz="2000" dirty="0"/>
           </a:p>
         </p:txBody>
       </p:sp>
       <p:sp>
         <p:nvSpPr>
-          <p:cNvPr id="32" name="TextBox 31"/>
+          <p:cNvPr id="36" name="TextBox 35"/>
           <p:cNvSpPr txBox="1"/>
           <p:nvPr/>
         </p:nvSpPr>
         <p:spPr>
           <a:xfrm>
-            <a:off x="6729662" y="4168466"/>
-            <a:ext cx="1860885" cy="1754326"/>
+            <a:off x="1148012" y="5709952"/>
+            <a:ext cx="2894599" cy="400110"/>
           </a:xfrm>
           <a:prstGeom prst="rect">
             <a:avLst/>
@@ -14180,38 +17278,95 @@
           <a:lstStyle/>
           <a:p>
             <a:r>
+              <a:rPr lang="en-US" sz="2000" dirty="0" smtClean="0"/>
+              <a:t>E E E E E </a:t>
+            </a:r>
+            <a:r>
+              <a:rPr lang="en-US" sz="2000" dirty="0"/>
+              <a:t>H</a:t>
+            </a:r>
+            <a:r>
+              <a:rPr lang="en-US" sz="2000" dirty="0" smtClean="0"/>
+              <a:t> </a:t>
+            </a:r>
+            <a:r>
+              <a:rPr lang="en-US" sz="2000" dirty="0"/>
+              <a:t>H</a:t>
+            </a:r>
+            <a:r>
+              <a:rPr lang="en-US" sz="2000" dirty="0" smtClean="0"/>
+              <a:t> </a:t>
+            </a:r>
+            <a:r>
+              <a:rPr lang="en-US" sz="2000" dirty="0"/>
+              <a:t>H</a:t>
+            </a:r>
+            <a:r>
+              <a:rPr lang="en-US" sz="2000" dirty="0" smtClean="0"/>
+              <a:t> </a:t>
+            </a:r>
+            <a:r>
+              <a:rPr lang="en-US" sz="2000" dirty="0"/>
+              <a:t>I</a:t>
+            </a:r>
+            <a:r>
+              <a:rPr lang="en-US" sz="2000" dirty="0" smtClean="0"/>
+              <a:t> I </a:t>
+            </a:r>
+            <a:r>
+              <a:rPr lang="en-US" sz="2000" dirty="0"/>
+              <a:t>I</a:t>
+            </a:r>
+            <a:r>
+              <a:rPr lang="en-US" sz="2000" dirty="0" smtClean="0"/>
+              <a:t> </a:t>
+            </a:r>
+            <a:r>
+              <a:rPr lang="en-US" sz="2000" dirty="0"/>
+              <a:t>I</a:t>
+            </a:r>
+            <a:r>
+              <a:rPr lang="en-US" sz="2000" dirty="0" smtClean="0"/>
+              <a:t> </a:t>
+            </a:r>
+            <a:r>
+              <a:rPr lang="en-US" sz="2000" dirty="0"/>
+              <a:t>I</a:t>
+            </a:r>
+            <a:r>
+              <a:rPr lang="en-US" sz="2000" dirty="0" smtClean="0"/>
+              <a:t>  </a:t>
+            </a:r>
+            <a:endParaRPr lang="en-US" sz="2000" dirty="0"/>
+          </a:p>
+        </p:txBody>
+      </p:sp>
+      <p:sp>
+        <p:nvSpPr>
+          <p:cNvPr id="12" name="TextBox 11"/>
+          <p:cNvSpPr txBox="1"/>
+          <p:nvPr/>
+        </p:nvSpPr>
+        <p:spPr>
+          <a:xfrm>
+            <a:off x="1299410" y="946484"/>
+            <a:ext cx="3080085" cy="369332"/>
+          </a:xfrm>
+          <a:prstGeom prst="rect">
+            <a:avLst/>
+          </a:prstGeom>
+          <a:noFill/>
+        </p:spPr>
+        <p:txBody>
+          <a:bodyPr wrap="square" rtlCol="0">
+            <a:spAutoFit/>
+          </a:bodyPr>
+          <a:lstStyle/>
+          <a:p>
+            <a:pPr algn="ctr"/>
+            <a:r>
               <a:rPr lang="en-US" dirty="0" smtClean="0"/>
-              <a:t>Proposed Annotations:</a:t>
-            </a:r>
-          </a:p>
-          <a:p>
-            <a:pPr marL="285750" indent="-285750">
-              <a:buFontTx/>
-              <a:buChar char="-"/>
-            </a:pPr>
-            <a:r>
-              <a:rPr lang="en-US" dirty="0" smtClean="0"/>
-              <a:t>E= Extracellular</a:t>
-            </a:r>
-          </a:p>
-          <a:p>
-            <a:pPr marL="285750" indent="-285750">
-              <a:buFontTx/>
-              <a:buChar char="-"/>
-            </a:pPr>
-            <a:r>
-              <a:rPr lang="en-US" dirty="0" smtClean="0"/>
-              <a:t>I = Intracellular</a:t>
-            </a:r>
-          </a:p>
-          <a:p>
-            <a:pPr marL="285750" indent="-285750">
-              <a:buFontTx/>
-              <a:buChar char="-"/>
-            </a:pPr>
-            <a:r>
-              <a:rPr lang="en-US" dirty="0" smtClean="0"/>
-              <a:t>H = Helical </a:t>
+              <a:t>Residue Objects (Amino Acids) </a:t>
             </a:r>
             <a:endParaRPr lang="en-US" dirty="0"/>
           </a:p>
@@ -14221,240 +17376,6 @@
     <p:extLst>
       <p:ext uri="{BB962C8B-B14F-4D97-AF65-F5344CB8AC3E}">
         <p14:creationId xmlns:p14="http://schemas.microsoft.com/office/powerpoint/2010/main" val="1176018840"/>
-      </p:ext>
-    </p:extLst>
-  </p:cSld>
-  <p:clrMapOvr>
-    <a:masterClrMapping/>
-  </p:clrMapOvr>
-  <p:timing>
-    <p:tnLst>
-      <p:par>
-        <p:cTn id="1" dur="indefinite" restart="never" nodeType="tmRoot"/>
-      </p:par>
-    </p:tnLst>
-  </p:timing>
-</p:sld>
-</file>
-
-<file path=ppt/slides/slide9.xml><?xml version="1.0" encoding="utf-8"?>
-<p:sld xmlns:a="http://schemas.openxmlformats.org/drawingml/2006/main" xmlns:r="http://schemas.openxmlformats.org/officeDocument/2006/relationships" xmlns:p="http://schemas.openxmlformats.org/presentationml/2006/main">
-  <p:cSld>
-    <p:spTree>
-      <p:nvGrpSpPr>
-        <p:cNvPr id="1" name=""/>
-        <p:cNvGrpSpPr/>
-        <p:nvPr/>
-      </p:nvGrpSpPr>
-      <p:grpSpPr>
-        <a:xfrm>
-          <a:off x="0" y="0"/>
-          <a:ext cx="0" cy="0"/>
-          <a:chOff x="0" y="0"/>
-          <a:chExt cx="0" cy="0"/>
-        </a:xfrm>
-      </p:grpSpPr>
-      <p:sp>
-        <p:nvSpPr>
-          <p:cNvPr id="2" name="Title 1"/>
-          <p:cNvSpPr>
-            <a:spLocks noGrp="1"/>
-          </p:cNvSpPr>
-          <p:nvPr>
-            <p:ph type="title"/>
-          </p:nvPr>
-        </p:nvSpPr>
-        <p:spPr/>
-        <p:txBody>
-          <a:bodyPr/>
-          <a:lstStyle/>
-          <a:p>
-            <a:pPr algn="ctr"/>
-            <a:r>
-              <a:rPr lang="en-US" dirty="0" smtClean="0"/>
-              <a:t>Benchmarking</a:t>
-            </a:r>
-            <a:endParaRPr lang="en-US" dirty="0"/>
-          </a:p>
-        </p:txBody>
-      </p:sp>
-      <p:sp>
-        <p:nvSpPr>
-          <p:cNvPr id="3" name="Content Placeholder 2"/>
-          <p:cNvSpPr>
-            <a:spLocks noGrp="1"/>
-          </p:cNvSpPr>
-          <p:nvPr>
-            <p:ph idx="1"/>
-          </p:nvPr>
-        </p:nvSpPr>
-        <p:spPr>
-          <a:xfrm>
-            <a:off x="1451579" y="1853754"/>
-            <a:ext cx="9603275" cy="4242246"/>
-          </a:xfrm>
-        </p:spPr>
-        <p:txBody>
-          <a:bodyPr>
-            <a:normAutofit fontScale="92500" lnSpcReduction="10000"/>
-          </a:bodyPr>
-          <a:lstStyle/>
-          <a:p>
-            <a:pPr fontAlgn="base"/>
-            <a:r>
-              <a:rPr lang="en-US" dirty="0">
-                <a:latin typeface="Times New Roman" charset="0"/>
-                <a:ea typeface="Times New Roman" charset="0"/>
-                <a:cs typeface="Times New Roman" charset="0"/>
-              </a:rPr>
-              <a:t>Using </a:t>
-            </a:r>
-            <a:r>
-              <a:rPr lang="en-US" dirty="0" err="1">
-                <a:latin typeface="Times New Roman" charset="0"/>
-                <a:ea typeface="Times New Roman" charset="0"/>
-                <a:cs typeface="Times New Roman" charset="0"/>
-              </a:rPr>
-              <a:t>Belvu</a:t>
-            </a:r>
-            <a:r>
-              <a:rPr lang="en-US" dirty="0">
-                <a:latin typeface="Times New Roman" charset="0"/>
-                <a:ea typeface="Times New Roman" charset="0"/>
-                <a:cs typeface="Times New Roman" charset="0"/>
-              </a:rPr>
-              <a:t> and an initial MAFFT alignment of Blast against NR hits I selected homologs at 30-40%, 40-70%, and &gt;70% identity to the target sequence (KCNA1_HUMAN) </a:t>
-            </a:r>
-          </a:p>
-          <a:p>
-            <a:pPr fontAlgn="base"/>
-            <a:r>
-              <a:rPr lang="en-US" dirty="0">
-                <a:latin typeface="Times New Roman" charset="0"/>
-                <a:ea typeface="Times New Roman" charset="0"/>
-                <a:cs typeface="Times New Roman" charset="0"/>
-              </a:rPr>
-              <a:t>Values were compared to the SwissProt Annotation for KCNA1_HUMAN, a protein with a 5/5 annotation </a:t>
-            </a:r>
-            <a:r>
-              <a:rPr lang="en-US" dirty="0" smtClean="0">
-                <a:latin typeface="Times New Roman" charset="0"/>
-                <a:ea typeface="Times New Roman" charset="0"/>
-                <a:cs typeface="Times New Roman" charset="0"/>
-              </a:rPr>
-              <a:t>score</a:t>
-            </a:r>
-          </a:p>
-          <a:p>
-            <a:pPr fontAlgn="base"/>
-            <a:r>
-              <a:rPr lang="en-US" dirty="0" smtClean="0">
-                <a:latin typeface="Times New Roman" charset="0"/>
-                <a:ea typeface="Times New Roman" charset="0"/>
-                <a:cs typeface="Times New Roman" charset="0"/>
-              </a:rPr>
-              <a:t>Transmembrane Helix information for homologs is derived using TMHMM </a:t>
-            </a:r>
-            <a:endParaRPr lang="en-US" dirty="0">
-              <a:latin typeface="Times New Roman" charset="0"/>
-              <a:ea typeface="Times New Roman" charset="0"/>
-              <a:cs typeface="Times New Roman" charset="0"/>
-            </a:endParaRPr>
-          </a:p>
-          <a:p>
-            <a:pPr fontAlgn="base"/>
-            <a:r>
-              <a:rPr lang="en-US" dirty="0">
-                <a:latin typeface="Times New Roman" charset="0"/>
-                <a:ea typeface="Times New Roman" charset="0"/>
-                <a:cs typeface="Times New Roman" charset="0"/>
-              </a:rPr>
-              <a:t>My program yielded </a:t>
-            </a:r>
-          </a:p>
-          <a:p>
-            <a:pPr lvl="1" fontAlgn="base"/>
-            <a:r>
-              <a:rPr lang="en-US" dirty="0">
-                <a:latin typeface="Times New Roman" charset="0"/>
-                <a:ea typeface="Times New Roman" charset="0"/>
-                <a:cs typeface="Times New Roman" charset="0"/>
-              </a:rPr>
-              <a:t>76% accuracy for those &gt;70% Identity</a:t>
-            </a:r>
-          </a:p>
-          <a:p>
-            <a:pPr lvl="1" fontAlgn="base"/>
-            <a:r>
-              <a:rPr lang="en-US" dirty="0">
-                <a:latin typeface="Times New Roman" charset="0"/>
-                <a:ea typeface="Times New Roman" charset="0"/>
-                <a:cs typeface="Times New Roman" charset="0"/>
-              </a:rPr>
-              <a:t>75.4% for 40-70% </a:t>
-            </a:r>
-          </a:p>
-          <a:p>
-            <a:pPr lvl="1" fontAlgn="base"/>
-            <a:r>
-              <a:rPr lang="en-US" dirty="0">
-                <a:latin typeface="Times New Roman" charset="0"/>
-                <a:ea typeface="Times New Roman" charset="0"/>
-                <a:cs typeface="Times New Roman" charset="0"/>
-              </a:rPr>
-              <a:t>75.1% for 30-40% </a:t>
-            </a:r>
-            <a:endParaRPr lang="en-US" dirty="0" smtClean="0">
-              <a:latin typeface="Times New Roman" charset="0"/>
-              <a:ea typeface="Times New Roman" charset="0"/>
-              <a:cs typeface="Times New Roman" charset="0"/>
-            </a:endParaRPr>
-          </a:p>
-          <a:p>
-            <a:pPr fontAlgn="base"/>
-            <a:r>
-              <a:rPr lang="en-US" dirty="0" smtClean="0">
-                <a:latin typeface="Times New Roman" charset="0"/>
-                <a:ea typeface="Times New Roman" charset="0"/>
-                <a:cs typeface="Times New Roman" charset="0"/>
-              </a:rPr>
-              <a:t>This process will be executed on several SwissProt Proteins with high annotations scores and experimental evidence (see </a:t>
-            </a:r>
-            <a:r>
-              <a:rPr lang="en-US" dirty="0" err="1" smtClean="0">
-                <a:latin typeface="Times New Roman" charset="0"/>
-                <a:ea typeface="Times New Roman" charset="0"/>
-                <a:cs typeface="Times New Roman" charset="0"/>
-              </a:rPr>
-              <a:t>benchmarking.py</a:t>
-            </a:r>
-            <a:r>
-              <a:rPr lang="en-US" dirty="0" smtClean="0">
-                <a:latin typeface="Times New Roman" charset="0"/>
-                <a:ea typeface="Times New Roman" charset="0"/>
-                <a:cs typeface="Times New Roman" charset="0"/>
-              </a:rPr>
-              <a:t>)</a:t>
-            </a:r>
-            <a:endParaRPr lang="en-US" dirty="0">
-              <a:latin typeface="Times New Roman" charset="0"/>
-              <a:ea typeface="Times New Roman" charset="0"/>
-              <a:cs typeface="Times New Roman" charset="0"/>
-            </a:endParaRPr>
-          </a:p>
-          <a:p>
-            <a:endParaRPr lang="en-US" dirty="0">
-              <a:latin typeface="Times New Roman" charset="0"/>
-              <a:ea typeface="Times New Roman" charset="0"/>
-              <a:cs typeface="Times New Roman" charset="0"/>
-            </a:endParaRPr>
-          </a:p>
-        </p:txBody>
-      </p:sp>
-    </p:spTree>
-    <p:extLst>
-      <p:ext uri="{BB962C8B-B14F-4D97-AF65-F5344CB8AC3E}">
-        <p14:creationId xmlns:p14="http://schemas.microsoft.com/office/powerpoint/2010/main" val="1507670934"/>
       </p:ext>
     </p:extLst>
   </p:cSld>
